--- a/Shrinkage Method.pptx
+++ b/Shrinkage Method.pptx
@@ -22,18 +22,20 @@
     <p:sldId id="266" r:id="rId16"/>
     <p:sldId id="273" r:id="rId17"/>
     <p:sldId id="274" r:id="rId18"/>
-    <p:sldId id="275" r:id="rId19"/>
-    <p:sldId id="276" r:id="rId20"/>
-    <p:sldId id="277" r:id="rId21"/>
-    <p:sldId id="278" r:id="rId22"/>
-    <p:sldId id="289" r:id="rId23"/>
-    <p:sldId id="282" r:id="rId24"/>
-    <p:sldId id="281" r:id="rId25"/>
-    <p:sldId id="283" r:id="rId26"/>
-    <p:sldId id="284" r:id="rId27"/>
-    <p:sldId id="285" r:id="rId28"/>
-    <p:sldId id="286" r:id="rId29"/>
-    <p:sldId id="288" r:id="rId30"/>
+    <p:sldId id="291" r:id="rId19"/>
+    <p:sldId id="275" r:id="rId20"/>
+    <p:sldId id="290" r:id="rId21"/>
+    <p:sldId id="276" r:id="rId22"/>
+    <p:sldId id="277" r:id="rId23"/>
+    <p:sldId id="278" r:id="rId24"/>
+    <p:sldId id="289" r:id="rId25"/>
+    <p:sldId id="282" r:id="rId26"/>
+    <p:sldId id="281" r:id="rId27"/>
+    <p:sldId id="283" r:id="rId28"/>
+    <p:sldId id="284" r:id="rId29"/>
+    <p:sldId id="285" r:id="rId30"/>
+    <p:sldId id="286" r:id="rId31"/>
+    <p:sldId id="288" r:id="rId32"/>
   </p:sldIdLst>
   <p:sldSz cx="12192000" cy="6858000"/>
   <p:notesSz cx="6858000" cy="9144000"/>
@@ -287,7 +289,7 @@
           <a:p>
             <a:fld id="{30E44FA8-2A7D-4508-83C4-46983E01022A}" type="datetimeFigureOut">
               <a:rPr lang="en-US" smtClean="0"/>
-              <a:t>5/23/2020</a:t>
+              <a:t>5/30/2020</a:t>
             </a:fld>
             <a:endParaRPr lang="en-US"/>
           </a:p>
@@ -485,7 +487,7 @@
           <a:p>
             <a:fld id="{30E44FA8-2A7D-4508-83C4-46983E01022A}" type="datetimeFigureOut">
               <a:rPr lang="en-US" smtClean="0"/>
-              <a:t>5/23/2020</a:t>
+              <a:t>5/30/2020</a:t>
             </a:fld>
             <a:endParaRPr lang="en-US"/>
           </a:p>
@@ -693,7 +695,7 @@
           <a:p>
             <a:fld id="{30E44FA8-2A7D-4508-83C4-46983E01022A}" type="datetimeFigureOut">
               <a:rPr lang="en-US" smtClean="0"/>
-              <a:t>5/23/2020</a:t>
+              <a:t>5/30/2020</a:t>
             </a:fld>
             <a:endParaRPr lang="en-US"/>
           </a:p>
@@ -891,7 +893,7 @@
           <a:p>
             <a:fld id="{30E44FA8-2A7D-4508-83C4-46983E01022A}" type="datetimeFigureOut">
               <a:rPr lang="en-US" smtClean="0"/>
-              <a:t>5/23/2020</a:t>
+              <a:t>5/30/2020</a:t>
             </a:fld>
             <a:endParaRPr lang="en-US"/>
           </a:p>
@@ -1166,7 +1168,7 @@
           <a:p>
             <a:fld id="{30E44FA8-2A7D-4508-83C4-46983E01022A}" type="datetimeFigureOut">
               <a:rPr lang="en-US" smtClean="0"/>
-              <a:t>5/23/2020</a:t>
+              <a:t>5/30/2020</a:t>
             </a:fld>
             <a:endParaRPr lang="en-US"/>
           </a:p>
@@ -1431,7 +1433,7 @@
           <a:p>
             <a:fld id="{30E44FA8-2A7D-4508-83C4-46983E01022A}" type="datetimeFigureOut">
               <a:rPr lang="en-US" smtClean="0"/>
-              <a:t>5/23/2020</a:t>
+              <a:t>5/30/2020</a:t>
             </a:fld>
             <a:endParaRPr lang="en-US"/>
           </a:p>
@@ -1843,7 +1845,7 @@
           <a:p>
             <a:fld id="{30E44FA8-2A7D-4508-83C4-46983E01022A}" type="datetimeFigureOut">
               <a:rPr lang="en-US" smtClean="0"/>
-              <a:t>5/23/2020</a:t>
+              <a:t>5/30/2020</a:t>
             </a:fld>
             <a:endParaRPr lang="en-US"/>
           </a:p>
@@ -1984,7 +1986,7 @@
           <a:p>
             <a:fld id="{30E44FA8-2A7D-4508-83C4-46983E01022A}" type="datetimeFigureOut">
               <a:rPr lang="en-US" smtClean="0"/>
-              <a:t>5/23/2020</a:t>
+              <a:t>5/30/2020</a:t>
             </a:fld>
             <a:endParaRPr lang="en-US"/>
           </a:p>
@@ -2097,7 +2099,7 @@
           <a:p>
             <a:fld id="{30E44FA8-2A7D-4508-83C4-46983E01022A}" type="datetimeFigureOut">
               <a:rPr lang="en-US" smtClean="0"/>
-              <a:t>5/23/2020</a:t>
+              <a:t>5/30/2020</a:t>
             </a:fld>
             <a:endParaRPr lang="en-US"/>
           </a:p>
@@ -2408,7 +2410,7 @@
           <a:p>
             <a:fld id="{30E44FA8-2A7D-4508-83C4-46983E01022A}" type="datetimeFigureOut">
               <a:rPr lang="en-US" smtClean="0"/>
-              <a:t>5/23/2020</a:t>
+              <a:t>5/30/2020</a:t>
             </a:fld>
             <a:endParaRPr lang="en-US"/>
           </a:p>
@@ -2696,7 +2698,7 @@
           <a:p>
             <a:fld id="{30E44FA8-2A7D-4508-83C4-46983E01022A}" type="datetimeFigureOut">
               <a:rPr lang="en-US" smtClean="0"/>
-              <a:t>5/23/2020</a:t>
+              <a:t>5/30/2020</a:t>
             </a:fld>
             <a:endParaRPr lang="en-US"/>
           </a:p>
@@ -2937,7 +2939,7 @@
           <a:p>
             <a:fld id="{30E44FA8-2A7D-4508-83C4-46983E01022A}" type="datetimeFigureOut">
               <a:rPr lang="en-US" smtClean="0"/>
-              <a:t>5/23/2020</a:t>
+              <a:t>5/30/2020</a:t>
             </a:fld>
             <a:endParaRPr lang="en-US"/>
           </a:p>
@@ -6161,8 +6163,8 @@
           </p:sp>
         </mc:Fallback>
       </mc:AlternateContent>
-      <mc:AlternateContent xmlns:mc="http://schemas.openxmlformats.org/markup-compatibility/2006" xmlns:a14="http://schemas.microsoft.com/office/drawing/2010/main">
-        <mc:Choice Requires="a14">
+      <mc:AlternateContent xmlns:mc="http://schemas.openxmlformats.org/markup-compatibility/2006">
+        <mc:Choice xmlns:a14="http://schemas.microsoft.com/office/drawing/2010/main" Requires="a14">
           <p:sp>
             <p:nvSpPr>
               <p:cNvPr id="13" name="Rectangle 12"/>
@@ -6172,7 +6174,7 @@
             <p:spPr>
               <a:xfrm>
                 <a:off x="838200" y="4834311"/>
-                <a:ext cx="3525004" cy="481670"/>
+                <a:ext cx="4326377" cy="481670"/>
               </a:xfrm>
               <a:prstGeom prst="rect">
                 <a:avLst/>
@@ -6195,7 +6197,7 @@
                         <m:accPr>
                           <m:chr m:val="̂"/>
                           <m:ctrlPr>
-                            <a:rPr lang="en-US" sz="2400" i="1">
+                            <a:rPr lang="en-US" sz="2400" i="1" smtClean="0">
                               <a:latin typeface="Cambria Math" panose="02040503050406030204" pitchFamily="18" charset="0"/>
                             </a:rPr>
                           </m:ctrlPr>
@@ -6343,6 +6345,18 @@
                         </a:rPr>
                         <m:t>𝑦</m:t>
                       </m:r>
+                      <m:r>
+                        <a:rPr lang="en-US" sz="2400" b="0" i="1" smtClean="0">
+                          <a:latin typeface="Cambria Math" panose="02040503050406030204" pitchFamily="18" charset="0"/>
+                        </a:rPr>
+                        <m:t>=</m:t>
+                      </m:r>
+                      <m:r>
+                        <a:rPr lang="en-US" sz="2400" b="0" i="1" smtClean="0">
+                          <a:latin typeface="Cambria Math" panose="02040503050406030204" pitchFamily="18" charset="0"/>
+                        </a:rPr>
+                        <m:t>𝐻𝑦</m:t>
+                      </m:r>
                     </m:oMath>
                   </m:oMathPara>
                 </a14:m>
@@ -6351,7 +6365,7 @@
             </p:txBody>
           </p:sp>
         </mc:Choice>
-        <mc:Fallback xmlns="">
+        <mc:Fallback>
           <p:sp>
             <p:nvSpPr>
               <p:cNvPr id="13" name="Rectangle 12"/>
@@ -6363,7 +6377,7 @@
             <p:spPr>
               <a:xfrm>
                 <a:off x="838200" y="4834311"/>
-                <a:ext cx="3525004" cy="481670"/>
+                <a:ext cx="4326377" cy="481670"/>
               </a:xfrm>
               <a:prstGeom prst="rect">
                 <a:avLst/>
@@ -6390,6 +6404,216 @@
           </p:sp>
         </mc:Fallback>
       </mc:AlternateContent>
+      <p:sp>
+        <p:nvSpPr>
+          <p:cNvPr id="9" name="Content Placeholder 2">
+            <a:extLst>
+              <a:ext uri="{FF2B5EF4-FFF2-40B4-BE49-F238E27FC236}">
+                <a16:creationId xmlns:a16="http://schemas.microsoft.com/office/drawing/2014/main" id="{AE91FBA0-EF25-45A7-B67E-901348E98F04}"/>
+              </a:ext>
+            </a:extLst>
+          </p:cNvPr>
+          <p:cNvSpPr txBox="1">
+            <a:spLocks/>
+          </p:cNvSpPr>
+          <p:nvPr/>
+        </p:nvSpPr>
+        <p:spPr>
+          <a:xfrm>
+            <a:off x="838199" y="5524210"/>
+            <a:ext cx="8255925" cy="481347"/>
+          </a:xfrm>
+          <a:prstGeom prst="rect">
+            <a:avLst/>
+          </a:prstGeom>
+        </p:spPr>
+        <p:txBody>
+          <a:bodyPr vert="horz" lIns="91440" tIns="45720" rIns="91440" bIns="45720" rtlCol="0">
+            <a:noAutofit/>
+          </a:bodyPr>
+          <a:lstStyle>
+            <a:lvl1pPr marL="228600" indent="-228600" algn="l" defTabSz="914400" rtl="0" eaLnBrk="1" latinLnBrk="0" hangingPunct="1">
+              <a:lnSpc>
+                <a:spcPct val="90000"/>
+              </a:lnSpc>
+              <a:spcBef>
+                <a:spcPts val="1000"/>
+              </a:spcBef>
+              <a:buFont typeface="Arial" panose="020B0604020202020204" pitchFamily="34" charset="0"/>
+              <a:buChar char="•"/>
+              <a:defRPr sz="2800" kern="1200">
+                <a:solidFill>
+                  <a:schemeClr val="tx1"/>
+                </a:solidFill>
+                <a:latin typeface="+mn-lt"/>
+                <a:ea typeface="+mn-ea"/>
+                <a:cs typeface="+mn-cs"/>
+              </a:defRPr>
+            </a:lvl1pPr>
+            <a:lvl2pPr marL="685800" indent="-228600" algn="l" defTabSz="914400" rtl="0" eaLnBrk="1" latinLnBrk="0" hangingPunct="1">
+              <a:lnSpc>
+                <a:spcPct val="90000"/>
+              </a:lnSpc>
+              <a:spcBef>
+                <a:spcPts val="500"/>
+              </a:spcBef>
+              <a:buFont typeface="Arial" panose="020B0604020202020204" pitchFamily="34" charset="0"/>
+              <a:buChar char="•"/>
+              <a:defRPr sz="2400" kern="1200">
+                <a:solidFill>
+                  <a:schemeClr val="tx1"/>
+                </a:solidFill>
+                <a:latin typeface="+mn-lt"/>
+                <a:ea typeface="+mn-ea"/>
+                <a:cs typeface="+mn-cs"/>
+              </a:defRPr>
+            </a:lvl2pPr>
+            <a:lvl3pPr marL="1143000" indent="-228600" algn="l" defTabSz="914400" rtl="0" eaLnBrk="1" latinLnBrk="0" hangingPunct="1">
+              <a:lnSpc>
+                <a:spcPct val="90000"/>
+              </a:lnSpc>
+              <a:spcBef>
+                <a:spcPts val="500"/>
+              </a:spcBef>
+              <a:buFont typeface="Arial" panose="020B0604020202020204" pitchFamily="34" charset="0"/>
+              <a:buChar char="•"/>
+              <a:defRPr sz="2000" kern="1200">
+                <a:solidFill>
+                  <a:schemeClr val="tx1"/>
+                </a:solidFill>
+                <a:latin typeface="+mn-lt"/>
+                <a:ea typeface="+mn-ea"/>
+                <a:cs typeface="+mn-cs"/>
+              </a:defRPr>
+            </a:lvl3pPr>
+            <a:lvl4pPr marL="1600200" indent="-228600" algn="l" defTabSz="914400" rtl="0" eaLnBrk="1" latinLnBrk="0" hangingPunct="1">
+              <a:lnSpc>
+                <a:spcPct val="90000"/>
+              </a:lnSpc>
+              <a:spcBef>
+                <a:spcPts val="500"/>
+              </a:spcBef>
+              <a:buFont typeface="Arial" panose="020B0604020202020204" pitchFamily="34" charset="0"/>
+              <a:buChar char="•"/>
+              <a:defRPr sz="1800" kern="1200">
+                <a:solidFill>
+                  <a:schemeClr val="tx1"/>
+                </a:solidFill>
+                <a:latin typeface="+mn-lt"/>
+                <a:ea typeface="+mn-ea"/>
+                <a:cs typeface="+mn-cs"/>
+              </a:defRPr>
+            </a:lvl4pPr>
+            <a:lvl5pPr marL="2057400" indent="-228600" algn="l" defTabSz="914400" rtl="0" eaLnBrk="1" latinLnBrk="0" hangingPunct="1">
+              <a:lnSpc>
+                <a:spcPct val="90000"/>
+              </a:lnSpc>
+              <a:spcBef>
+                <a:spcPts val="500"/>
+              </a:spcBef>
+              <a:buFont typeface="Arial" panose="020B0604020202020204" pitchFamily="34" charset="0"/>
+              <a:buChar char="•"/>
+              <a:defRPr sz="1800" kern="1200">
+                <a:solidFill>
+                  <a:schemeClr val="tx1"/>
+                </a:solidFill>
+                <a:latin typeface="+mn-lt"/>
+                <a:ea typeface="+mn-ea"/>
+                <a:cs typeface="+mn-cs"/>
+              </a:defRPr>
+            </a:lvl5pPr>
+            <a:lvl6pPr marL="2514600" indent="-228600" algn="l" defTabSz="914400" rtl="0" eaLnBrk="1" latinLnBrk="0" hangingPunct="1">
+              <a:lnSpc>
+                <a:spcPct val="90000"/>
+              </a:lnSpc>
+              <a:spcBef>
+                <a:spcPts val="500"/>
+              </a:spcBef>
+              <a:buFont typeface="Arial" panose="020B0604020202020204" pitchFamily="34" charset="0"/>
+              <a:buChar char="•"/>
+              <a:defRPr sz="1800" kern="1200">
+                <a:solidFill>
+                  <a:schemeClr val="tx1"/>
+                </a:solidFill>
+                <a:latin typeface="+mn-lt"/>
+                <a:ea typeface="+mn-ea"/>
+                <a:cs typeface="+mn-cs"/>
+              </a:defRPr>
+            </a:lvl6pPr>
+            <a:lvl7pPr marL="2971800" indent="-228600" algn="l" defTabSz="914400" rtl="0" eaLnBrk="1" latinLnBrk="0" hangingPunct="1">
+              <a:lnSpc>
+                <a:spcPct val="90000"/>
+              </a:lnSpc>
+              <a:spcBef>
+                <a:spcPts val="500"/>
+              </a:spcBef>
+              <a:buFont typeface="Arial" panose="020B0604020202020204" pitchFamily="34" charset="0"/>
+              <a:buChar char="•"/>
+              <a:defRPr sz="1800" kern="1200">
+                <a:solidFill>
+                  <a:schemeClr val="tx1"/>
+                </a:solidFill>
+                <a:latin typeface="+mn-lt"/>
+                <a:ea typeface="+mn-ea"/>
+                <a:cs typeface="+mn-cs"/>
+              </a:defRPr>
+            </a:lvl7pPr>
+            <a:lvl8pPr marL="3429000" indent="-228600" algn="l" defTabSz="914400" rtl="0" eaLnBrk="1" latinLnBrk="0" hangingPunct="1">
+              <a:lnSpc>
+                <a:spcPct val="90000"/>
+              </a:lnSpc>
+              <a:spcBef>
+                <a:spcPts val="500"/>
+              </a:spcBef>
+              <a:buFont typeface="Arial" panose="020B0604020202020204" pitchFamily="34" charset="0"/>
+              <a:buChar char="•"/>
+              <a:defRPr sz="1800" kern="1200">
+                <a:solidFill>
+                  <a:schemeClr val="tx1"/>
+                </a:solidFill>
+                <a:latin typeface="+mn-lt"/>
+                <a:ea typeface="+mn-ea"/>
+                <a:cs typeface="+mn-cs"/>
+              </a:defRPr>
+            </a:lvl8pPr>
+            <a:lvl9pPr marL="3886200" indent="-228600" algn="l" defTabSz="914400" rtl="0" eaLnBrk="1" latinLnBrk="0" hangingPunct="1">
+              <a:lnSpc>
+                <a:spcPct val="90000"/>
+              </a:lnSpc>
+              <a:spcBef>
+                <a:spcPts val="500"/>
+              </a:spcBef>
+              <a:buFont typeface="Arial" panose="020B0604020202020204" pitchFamily="34" charset="0"/>
+              <a:buChar char="•"/>
+              <a:defRPr sz="1800" kern="1200">
+                <a:solidFill>
+                  <a:schemeClr val="tx1"/>
+                </a:solidFill>
+                <a:latin typeface="+mn-lt"/>
+                <a:ea typeface="+mn-ea"/>
+                <a:cs typeface="+mn-cs"/>
+              </a:defRPr>
+            </a:lvl9pPr>
+          </a:lstStyle>
+          <a:p>
+            <a:pPr marL="0" indent="0">
+              <a:buFont typeface="Arial" panose="020B0604020202020204" pitchFamily="34" charset="0"/>
+              <a:buNone/>
+            </a:pPr>
+            <a:r>
+              <a:rPr lang="en-US" smtClean="0">
+                <a:latin typeface="Times New Roman" panose="02020603050405020304" pitchFamily="18" charset="0"/>
+                <a:cs typeface="Times New Roman" panose="02020603050405020304" pitchFamily="18" charset="0"/>
+              </a:rPr>
+              <a:t>H được gọi là ma trận hình chiếu vuông góc (trực giao)</a:t>
+            </a:r>
+            <a:endParaRPr lang="en-US">
+              <a:latin typeface="Times New Roman" panose="02020603050405020304" pitchFamily="18" charset="0"/>
+              <a:cs typeface="Times New Roman" panose="02020603050405020304" pitchFamily="18" charset="0"/>
+            </a:endParaRPr>
+          </a:p>
+        </p:txBody>
+      </p:sp>
     </p:spTree>
     <p:extLst>
       <p:ext uri="{BB962C8B-B14F-4D97-AF65-F5344CB8AC3E}">
@@ -9332,7 +9556,7 @@
             </p:spPr>
             <p:txBody>
               <a:bodyPr vert="horz" lIns="91440" tIns="45720" rIns="91440" bIns="45720" rtlCol="0">
-                <a:normAutofit/>
+                <a:normAutofit fontScale="92500" lnSpcReduction="10000"/>
               </a:bodyPr>
               <a:lstStyle>
                 <a:lvl1pPr marL="228600" indent="-228600" algn="l" defTabSz="914400" rtl="0" eaLnBrk="1" latinLnBrk="0" hangingPunct="1">
@@ -9520,8 +9744,27 @@
                 <a:pPr lvl="0"/>
                 <a:r>
                   <a:rPr lang="en-US"/>
-                  <a:t>U và V là 2 ma trận trực giao (orthogonal matrix).</a:t>
+                  <a:t>U và V là 2 ma trận trực giao (orthogonal matrix</a:t>
                 </a:r>
+                <a:r>
+                  <a:rPr lang="en-US" smtClean="0"/>
+                  <a:t>).</a:t>
+                </a:r>
+              </a:p>
+              <a:p>
+                <a:pPr lvl="0"/>
+                <a:r>
+                  <a:rPr lang="en-US" smtClean="0"/>
+                  <a:t>U là hình chiếu (phủ) cho không gian cột của X</a:t>
+                </a:r>
+              </a:p>
+              <a:p>
+                <a:pPr lvl="0"/>
+                <a:r>
+                  <a:rPr lang="en-US" smtClean="0"/>
+                  <a:t>V là hình chiếu (phủ) cho không gian hang của X</a:t>
+                </a:r>
+                <a:endParaRPr lang="en-US"/>
               </a:p>
               <a:p>
                 <a:r>
@@ -9746,7 +9989,7 @@
               <a:blipFill>
                 <a:blip r:embed="rId3"/>
                 <a:stretch>
-                  <a:fillRect l="-1217" t="-3091" b="-5091"/>
+                  <a:fillRect l="-1043" t="-3636"/>
                 </a:stretch>
               </a:blipFill>
             </p:spPr>
@@ -9779,6 +10022,896 @@
 </file>
 
 <file path=ppt/slides/slide18.xml><?xml version="1.0" encoding="utf-8"?>
+<p:sld xmlns:a="http://schemas.openxmlformats.org/drawingml/2006/main" xmlns:r="http://schemas.openxmlformats.org/officeDocument/2006/relationships" xmlns:p="http://schemas.openxmlformats.org/presentationml/2006/main">
+  <p:cSld>
+    <p:spTree>
+      <p:nvGrpSpPr>
+        <p:cNvPr id="1" name=""/>
+        <p:cNvGrpSpPr/>
+        <p:nvPr/>
+      </p:nvGrpSpPr>
+      <p:grpSpPr>
+        <a:xfrm>
+          <a:off x="0" y="0"/>
+          <a:ext cx="0" cy="0"/>
+          <a:chOff x="0" y="0"/>
+          <a:chExt cx="0" cy="0"/>
+        </a:xfrm>
+      </p:grpSpPr>
+      <p:sp>
+        <p:nvSpPr>
+          <p:cNvPr id="5" name="Title 4">
+            <a:extLst>
+              <a:ext uri="{FF2B5EF4-FFF2-40B4-BE49-F238E27FC236}">
+                <a16:creationId xmlns:a16="http://schemas.microsoft.com/office/drawing/2014/main" id="{1ACD2337-0507-40BF-B21F-D38B9A855491}"/>
+              </a:ext>
+            </a:extLst>
+          </p:cNvPr>
+          <p:cNvSpPr>
+            <a:spLocks noGrp="1"/>
+          </p:cNvSpPr>
+          <p:nvPr>
+            <p:ph type="title"/>
+          </p:nvPr>
+        </p:nvSpPr>
+        <p:spPr/>
+        <p:txBody>
+          <a:bodyPr/>
+          <a:lstStyle/>
+          <a:p>
+            <a:r>
+              <a:rPr lang="en-US" smtClean="0">
+                <a:latin typeface="Times New Roman" panose="02020603050405020304" pitchFamily="18" charset="0"/>
+                <a:cs typeface="Times New Roman" panose="02020603050405020304" pitchFamily="18" charset="0"/>
+              </a:rPr>
+              <a:t>3.1b Singular </a:t>
+            </a:r>
+            <a:r>
+              <a:rPr lang="en-US">
+                <a:latin typeface="Times New Roman" panose="02020603050405020304" pitchFamily="18" charset="0"/>
+                <a:cs typeface="Times New Roman" panose="02020603050405020304" pitchFamily="18" charset="0"/>
+              </a:rPr>
+              <a:t>Value </a:t>
+            </a:r>
+            <a:r>
+              <a:rPr lang="en-US" smtClean="0">
+                <a:latin typeface="Times New Roman" panose="02020603050405020304" pitchFamily="18" charset="0"/>
+                <a:cs typeface="Times New Roman" panose="02020603050405020304" pitchFamily="18" charset="0"/>
+              </a:rPr>
+              <a:t>Decomposition (SVD)</a:t>
+            </a:r>
+            <a:endParaRPr lang="en-US">
+              <a:latin typeface="Times New Roman" panose="02020603050405020304" pitchFamily="18" charset="0"/>
+              <a:cs typeface="Times New Roman" panose="02020603050405020304" pitchFamily="18" charset="0"/>
+            </a:endParaRPr>
+          </a:p>
+        </p:txBody>
+      </p:sp>
+      <mc:AlternateContent xmlns:mc="http://schemas.openxmlformats.org/markup-compatibility/2006">
+        <mc:Choice xmlns:a14="http://schemas.microsoft.com/office/drawing/2010/main" Requires="a14">
+          <p:sp>
+            <p:nvSpPr>
+              <p:cNvPr id="2" name="Rectangle 1"/>
+              <p:cNvSpPr/>
+              <p:nvPr/>
+            </p:nvSpPr>
+            <p:spPr>
+              <a:xfrm>
+                <a:off x="3935536" y="1352161"/>
+                <a:ext cx="4320926" cy="632994"/>
+              </a:xfrm>
+              <a:prstGeom prst="rect">
+                <a:avLst/>
+              </a:prstGeom>
+            </p:spPr>
+            <p:txBody>
+              <a:bodyPr wrap="none">
+                <a:spAutoFit/>
+              </a:bodyPr>
+              <a:lstStyle/>
+              <a:p>
+                <a:pPr/>
+                <a14:m>
+                  <m:oMathPara xmlns:m="http://schemas.openxmlformats.org/officeDocument/2006/math">
+                    <m:oMathParaPr>
+                      <m:jc m:val="centerGroup"/>
+                    </m:oMathParaPr>
+                    <m:oMath xmlns:m="http://schemas.openxmlformats.org/officeDocument/2006/math">
+                      <m:sSub>
+                        <m:sSubPr>
+                          <m:ctrlPr>
+                            <a:rPr lang="en-US" sz="3200" i="1">
+                              <a:latin typeface="Cambria Math" panose="02040503050406030204" pitchFamily="18" charset="0"/>
+                            </a:rPr>
+                          </m:ctrlPr>
+                        </m:sSubPr>
+                        <m:e>
+                          <m:r>
+                            <a:rPr lang="en-US" sz="3200" i="1">
+                              <a:latin typeface="Cambria Math" panose="02040503050406030204" pitchFamily="18" charset="0"/>
+                            </a:rPr>
+                            <m:t>𝑋</m:t>
+                          </m:r>
+                        </m:e>
+                        <m:sub>
+                          <m:r>
+                            <a:rPr lang="en-US" sz="3200" i="1">
+                              <a:latin typeface="Cambria Math" panose="02040503050406030204" pitchFamily="18" charset="0"/>
+                            </a:rPr>
+                            <m:t>𝑁</m:t>
+                          </m:r>
+                          <m:r>
+                            <a:rPr lang="en-US" sz="3200" i="0">
+                              <a:latin typeface="Cambria Math" panose="02040503050406030204" pitchFamily="18" charset="0"/>
+                            </a:rPr>
+                            <m:t>×</m:t>
+                          </m:r>
+                          <m:r>
+                            <a:rPr lang="en-US" sz="3200" i="1">
+                              <a:latin typeface="Cambria Math" panose="02040503050406030204" pitchFamily="18" charset="0"/>
+                            </a:rPr>
+                            <m:t>𝑝</m:t>
+                          </m:r>
+                        </m:sub>
+                      </m:sSub>
+                      <m:r>
+                        <a:rPr lang="en-US" sz="3200" i="0">
+                          <a:latin typeface="Cambria Math" panose="02040503050406030204" pitchFamily="18" charset="0"/>
+                        </a:rPr>
+                        <m:t>=</m:t>
+                      </m:r>
+                      <m:sSub>
+                        <m:sSubPr>
+                          <m:ctrlPr>
+                            <a:rPr lang="en-US" sz="3200" i="1">
+                              <a:latin typeface="Cambria Math" panose="02040503050406030204" pitchFamily="18" charset="0"/>
+                            </a:rPr>
+                          </m:ctrlPr>
+                        </m:sSubPr>
+                        <m:e>
+                          <m:r>
+                            <a:rPr lang="en-US" sz="3200" i="1">
+                              <a:latin typeface="Cambria Math" panose="02040503050406030204" pitchFamily="18" charset="0"/>
+                            </a:rPr>
+                            <m:t>𝑈</m:t>
+                          </m:r>
+                        </m:e>
+                        <m:sub>
+                          <m:r>
+                            <a:rPr lang="en-US" sz="3200" i="1">
+                              <a:latin typeface="Cambria Math" panose="02040503050406030204" pitchFamily="18" charset="0"/>
+                            </a:rPr>
+                            <m:t>𝑁</m:t>
+                          </m:r>
+                          <m:r>
+                            <a:rPr lang="en-US" sz="3200" i="0">
+                              <a:latin typeface="Cambria Math" panose="02040503050406030204" pitchFamily="18" charset="0"/>
+                            </a:rPr>
+                            <m:t>×</m:t>
+                          </m:r>
+                          <m:r>
+                            <a:rPr lang="en-US" sz="3200" i="1">
+                              <a:latin typeface="Cambria Math" panose="02040503050406030204" pitchFamily="18" charset="0"/>
+                            </a:rPr>
+                            <m:t>𝑝</m:t>
+                          </m:r>
+                        </m:sub>
+                      </m:sSub>
+                      <m:sSub>
+                        <m:sSubPr>
+                          <m:ctrlPr>
+                            <a:rPr lang="en-US" sz="3200" i="1">
+                              <a:latin typeface="Cambria Math" panose="02040503050406030204" pitchFamily="18" charset="0"/>
+                            </a:rPr>
+                          </m:ctrlPr>
+                        </m:sSubPr>
+                        <m:e>
+                          <m:r>
+                            <a:rPr lang="en-US" sz="3200" i="1">
+                              <a:latin typeface="Cambria Math" panose="02040503050406030204" pitchFamily="18" charset="0"/>
+                            </a:rPr>
+                            <m:t>𝐷</m:t>
+                          </m:r>
+                        </m:e>
+                        <m:sub>
+                          <m:r>
+                            <a:rPr lang="en-US" sz="3200" i="1">
+                              <a:latin typeface="Cambria Math" panose="02040503050406030204" pitchFamily="18" charset="0"/>
+                            </a:rPr>
+                            <m:t>𝑝</m:t>
+                          </m:r>
+                          <m:r>
+                            <a:rPr lang="en-US" sz="3200" i="0">
+                              <a:latin typeface="Cambria Math" panose="02040503050406030204" pitchFamily="18" charset="0"/>
+                            </a:rPr>
+                            <m:t>×</m:t>
+                          </m:r>
+                          <m:r>
+                            <a:rPr lang="en-US" sz="3200" i="1">
+                              <a:latin typeface="Cambria Math" panose="02040503050406030204" pitchFamily="18" charset="0"/>
+                            </a:rPr>
+                            <m:t>𝑝</m:t>
+                          </m:r>
+                        </m:sub>
+                      </m:sSub>
+                      <m:sSubSup>
+                        <m:sSubSupPr>
+                          <m:ctrlPr>
+                            <a:rPr lang="en-US" sz="3200" i="1">
+                              <a:latin typeface="Cambria Math" panose="02040503050406030204" pitchFamily="18" charset="0"/>
+                            </a:rPr>
+                          </m:ctrlPr>
+                        </m:sSubSupPr>
+                        <m:e>
+                          <m:r>
+                            <a:rPr lang="en-US" sz="3200" i="1">
+                              <a:latin typeface="Cambria Math" panose="02040503050406030204" pitchFamily="18" charset="0"/>
+                            </a:rPr>
+                            <m:t>𝑉</m:t>
+                          </m:r>
+                        </m:e>
+                        <m:sub>
+                          <m:r>
+                            <a:rPr lang="en-US" sz="3200" i="1">
+                              <a:latin typeface="Cambria Math" panose="02040503050406030204" pitchFamily="18" charset="0"/>
+                            </a:rPr>
+                            <m:t>𝑝</m:t>
+                          </m:r>
+                          <m:r>
+                            <a:rPr lang="en-US" sz="3200" i="0">
+                              <a:latin typeface="Cambria Math" panose="02040503050406030204" pitchFamily="18" charset="0"/>
+                            </a:rPr>
+                            <m:t>×</m:t>
+                          </m:r>
+                          <m:r>
+                            <a:rPr lang="en-US" sz="3200" i="1">
+                              <a:latin typeface="Cambria Math" panose="02040503050406030204" pitchFamily="18" charset="0"/>
+                            </a:rPr>
+                            <m:t>𝑝</m:t>
+                          </m:r>
+                        </m:sub>
+                        <m:sup>
+                          <m:r>
+                            <a:rPr lang="en-US" sz="3200" i="1">
+                              <a:latin typeface="Cambria Math" panose="02040503050406030204" pitchFamily="18" charset="0"/>
+                            </a:rPr>
+                            <m:t>𝑇</m:t>
+                          </m:r>
+                        </m:sup>
+                      </m:sSubSup>
+                    </m:oMath>
+                  </m:oMathPara>
+                </a14:m>
+                <a:endParaRPr lang="en-US" sz="3200"/>
+              </a:p>
+            </p:txBody>
+          </p:sp>
+        </mc:Choice>
+        <mc:Fallback>
+          <p:sp>
+            <p:nvSpPr>
+              <p:cNvPr id="2" name="Rectangle 1"/>
+              <p:cNvSpPr>
+                <a:spLocks noRot="1" noChangeAspect="1" noMove="1" noResize="1" noEditPoints="1" noAdjustHandles="1" noChangeArrowheads="1" noChangeShapeType="1" noTextEdit="1"/>
+              </p:cNvSpPr>
+              <p:nvPr/>
+            </p:nvSpPr>
+            <p:spPr>
+              <a:xfrm>
+                <a:off x="3935536" y="1352161"/>
+                <a:ext cx="4320926" cy="632994"/>
+              </a:xfrm>
+              <a:prstGeom prst="rect">
+                <a:avLst/>
+              </a:prstGeom>
+              <a:blipFill>
+                <a:blip r:embed="rId2"/>
+                <a:stretch>
+                  <a:fillRect/>
+                </a:stretch>
+              </a:blipFill>
+            </p:spPr>
+            <p:txBody>
+              <a:bodyPr/>
+              <a:lstStyle/>
+              <a:p>
+                <a:r>
+                  <a:rPr lang="en-US">
+                    <a:noFill/>
+                  </a:rPr>
+                  <a:t> </a:t>
+                </a:r>
+              </a:p>
+            </p:txBody>
+          </p:sp>
+        </mc:Fallback>
+      </mc:AlternateContent>
+      <p:grpSp>
+        <p:nvGrpSpPr>
+          <p:cNvPr id="7" name="Group 6"/>
+          <p:cNvGrpSpPr/>
+          <p:nvPr/>
+        </p:nvGrpSpPr>
+        <p:grpSpPr>
+          <a:xfrm>
+            <a:off x="216736" y="3385158"/>
+            <a:ext cx="5324475" cy="1790701"/>
+            <a:chOff x="3433762" y="3285405"/>
+            <a:chExt cx="5324475" cy="1790701"/>
+          </a:xfrm>
+        </p:grpSpPr>
+        <p:pic>
+          <p:nvPicPr>
+            <p:cNvPr id="3" name="Picture 2"/>
+            <p:cNvPicPr>
+              <a:picLocks noChangeAspect="1"/>
+            </p:cNvPicPr>
+            <p:nvPr/>
+          </p:nvPicPr>
+          <p:blipFill>
+            <a:blip r:embed="rId3"/>
+            <a:stretch>
+              <a:fillRect/>
+            </a:stretch>
+          </p:blipFill>
+          <p:spPr>
+            <a:xfrm>
+              <a:off x="3433762" y="3285406"/>
+              <a:ext cx="5324475" cy="1790700"/>
+            </a:xfrm>
+            <a:prstGeom prst="rect">
+              <a:avLst/>
+            </a:prstGeom>
+          </p:spPr>
+        </p:pic>
+        <p:sp>
+          <p:nvSpPr>
+            <p:cNvPr id="4" name="Rectangle 3"/>
+            <p:cNvSpPr/>
+            <p:nvPr/>
+          </p:nvSpPr>
+          <p:spPr>
+            <a:xfrm>
+              <a:off x="4164677" y="3285406"/>
+              <a:ext cx="665018" cy="490451"/>
+            </a:xfrm>
+            <a:prstGeom prst="rect">
+              <a:avLst/>
+            </a:prstGeom>
+            <a:solidFill>
+              <a:schemeClr val="bg1"/>
+            </a:solidFill>
+            <a:ln>
+              <a:noFill/>
+            </a:ln>
+          </p:spPr>
+          <p:style>
+            <a:lnRef idx="2">
+              <a:schemeClr val="accent1">
+                <a:shade val="50000"/>
+              </a:schemeClr>
+            </a:lnRef>
+            <a:fillRef idx="1">
+              <a:schemeClr val="accent1"/>
+            </a:fillRef>
+            <a:effectRef idx="0">
+              <a:schemeClr val="accent1"/>
+            </a:effectRef>
+            <a:fontRef idx="minor">
+              <a:schemeClr val="lt1"/>
+            </a:fontRef>
+          </p:style>
+          <p:txBody>
+            <a:bodyPr rtlCol="0" anchor="ctr"/>
+            <a:lstStyle/>
+            <a:p>
+              <a:pPr algn="ctr"/>
+              <a:r>
+                <a:rPr lang="en-US" smtClean="0">
+                  <a:solidFill>
+                    <a:schemeClr val="tx1"/>
+                  </a:solidFill>
+                </a:rPr>
+                <a:t>X</a:t>
+              </a:r>
+              <a:endParaRPr lang="en-US">
+                <a:solidFill>
+                  <a:schemeClr val="tx1"/>
+                </a:solidFill>
+              </a:endParaRPr>
+            </a:p>
+          </p:txBody>
+        </p:sp>
+        <p:sp>
+          <p:nvSpPr>
+            <p:cNvPr id="8" name="Rectangle 7"/>
+            <p:cNvSpPr/>
+            <p:nvPr/>
+          </p:nvSpPr>
+          <p:spPr>
+            <a:xfrm>
+              <a:off x="5552299" y="3285405"/>
+              <a:ext cx="665018" cy="490451"/>
+            </a:xfrm>
+            <a:prstGeom prst="rect">
+              <a:avLst/>
+            </a:prstGeom>
+            <a:solidFill>
+              <a:schemeClr val="bg1"/>
+            </a:solidFill>
+            <a:ln>
+              <a:noFill/>
+            </a:ln>
+          </p:spPr>
+          <p:style>
+            <a:lnRef idx="2">
+              <a:schemeClr val="accent1">
+                <a:shade val="50000"/>
+              </a:schemeClr>
+            </a:lnRef>
+            <a:fillRef idx="1">
+              <a:schemeClr val="accent1"/>
+            </a:fillRef>
+            <a:effectRef idx="0">
+              <a:schemeClr val="accent1"/>
+            </a:effectRef>
+            <a:fontRef idx="minor">
+              <a:schemeClr val="lt1"/>
+            </a:fontRef>
+          </p:style>
+          <p:txBody>
+            <a:bodyPr rtlCol="0" anchor="ctr"/>
+            <a:lstStyle/>
+            <a:p>
+              <a:pPr algn="ctr"/>
+              <a:r>
+                <a:rPr lang="en-US" smtClean="0">
+                  <a:solidFill>
+                    <a:schemeClr val="tx1"/>
+                  </a:solidFill>
+                </a:rPr>
+                <a:t>U</a:t>
+              </a:r>
+              <a:endParaRPr lang="en-US">
+                <a:solidFill>
+                  <a:schemeClr val="tx1"/>
+                </a:solidFill>
+              </a:endParaRPr>
+            </a:p>
+          </p:txBody>
+        </p:sp>
+        <p:sp>
+          <p:nvSpPr>
+            <p:cNvPr id="9" name="Rectangle 8"/>
+            <p:cNvSpPr/>
+            <p:nvPr/>
+          </p:nvSpPr>
+          <p:spPr>
+            <a:xfrm>
+              <a:off x="6217317" y="3285405"/>
+              <a:ext cx="624058" cy="490451"/>
+            </a:xfrm>
+            <a:prstGeom prst="rect">
+              <a:avLst/>
+            </a:prstGeom>
+            <a:solidFill>
+              <a:schemeClr val="bg1"/>
+            </a:solidFill>
+            <a:ln>
+              <a:noFill/>
+            </a:ln>
+          </p:spPr>
+          <p:style>
+            <a:lnRef idx="2">
+              <a:schemeClr val="accent1">
+                <a:shade val="50000"/>
+              </a:schemeClr>
+            </a:lnRef>
+            <a:fillRef idx="1">
+              <a:schemeClr val="accent1"/>
+            </a:fillRef>
+            <a:effectRef idx="0">
+              <a:schemeClr val="accent1"/>
+            </a:effectRef>
+            <a:fontRef idx="minor">
+              <a:schemeClr val="lt1"/>
+            </a:fontRef>
+          </p:style>
+          <p:txBody>
+            <a:bodyPr rtlCol="0" anchor="ctr"/>
+            <a:lstStyle/>
+            <a:p>
+              <a:pPr algn="ctr"/>
+              <a:r>
+                <a:rPr lang="en-US" smtClean="0">
+                  <a:solidFill>
+                    <a:schemeClr val="tx1"/>
+                  </a:solidFill>
+                </a:rPr>
+                <a:t>D</a:t>
+              </a:r>
+              <a:endParaRPr lang="en-US">
+                <a:solidFill>
+                  <a:schemeClr val="tx1"/>
+                </a:solidFill>
+              </a:endParaRPr>
+            </a:p>
+          </p:txBody>
+        </p:sp>
+        <p:sp>
+          <p:nvSpPr>
+            <p:cNvPr id="10" name="Rectangle 9"/>
+            <p:cNvSpPr/>
+            <p:nvPr/>
+          </p:nvSpPr>
+          <p:spPr>
+            <a:xfrm>
+              <a:off x="7317972" y="3285405"/>
+              <a:ext cx="665018" cy="490451"/>
+            </a:xfrm>
+            <a:prstGeom prst="rect">
+              <a:avLst/>
+            </a:prstGeom>
+            <a:solidFill>
+              <a:schemeClr val="bg1"/>
+            </a:solidFill>
+            <a:ln>
+              <a:noFill/>
+            </a:ln>
+          </p:spPr>
+          <p:style>
+            <a:lnRef idx="2">
+              <a:schemeClr val="accent1">
+                <a:shade val="50000"/>
+              </a:schemeClr>
+            </a:lnRef>
+            <a:fillRef idx="1">
+              <a:schemeClr val="accent1"/>
+            </a:fillRef>
+            <a:effectRef idx="0">
+              <a:schemeClr val="accent1"/>
+            </a:effectRef>
+            <a:fontRef idx="minor">
+              <a:schemeClr val="lt1"/>
+            </a:fontRef>
+          </p:style>
+          <p:txBody>
+            <a:bodyPr rtlCol="0" anchor="ctr"/>
+            <a:lstStyle/>
+            <a:p>
+              <a:pPr algn="ctr"/>
+              <a:r>
+                <a:rPr lang="en-US" smtClean="0">
+                  <a:solidFill>
+                    <a:schemeClr val="tx1"/>
+                  </a:solidFill>
+                </a:rPr>
+                <a:t>V</a:t>
+              </a:r>
+              <a:endParaRPr lang="en-US">
+                <a:solidFill>
+                  <a:schemeClr val="tx1"/>
+                </a:solidFill>
+              </a:endParaRPr>
+            </a:p>
+          </p:txBody>
+        </p:sp>
+      </p:grpSp>
+      <p:grpSp>
+        <p:nvGrpSpPr>
+          <p:cNvPr id="20" name="Group 19"/>
+          <p:cNvGrpSpPr/>
+          <p:nvPr/>
+        </p:nvGrpSpPr>
+        <p:grpSpPr>
+          <a:xfrm>
+            <a:off x="5541211" y="2382828"/>
+            <a:ext cx="6284421" cy="3506045"/>
+            <a:chOff x="5541211" y="2382828"/>
+            <a:chExt cx="6284421" cy="3506045"/>
+          </a:xfrm>
+        </p:grpSpPr>
+        <p:grpSp>
+          <p:nvGrpSpPr>
+            <p:cNvPr id="16" name="Group 15"/>
+            <p:cNvGrpSpPr/>
+            <p:nvPr/>
+          </p:nvGrpSpPr>
+          <p:grpSpPr>
+            <a:xfrm>
+              <a:off x="5541211" y="2382828"/>
+              <a:ext cx="6284421" cy="3506045"/>
+              <a:chOff x="5541211" y="2382828"/>
+              <a:chExt cx="6284421" cy="3506045"/>
+            </a:xfrm>
+          </p:grpSpPr>
+          <p:grpSp>
+            <p:nvGrpSpPr>
+              <p:cNvPr id="14" name="Group 13"/>
+              <p:cNvGrpSpPr/>
+              <p:nvPr/>
+            </p:nvGrpSpPr>
+            <p:grpSpPr>
+              <a:xfrm>
+                <a:off x="5541211" y="2382828"/>
+                <a:ext cx="6284421" cy="3506045"/>
+                <a:chOff x="5541211" y="2382828"/>
+                <a:chExt cx="6284421" cy="3506045"/>
+              </a:xfrm>
+            </p:grpSpPr>
+            <p:pic>
+              <p:nvPicPr>
+                <p:cNvPr id="11" name="Picture 10"/>
+                <p:cNvPicPr>
+                  <a:picLocks noChangeAspect="1"/>
+                </p:cNvPicPr>
+                <p:nvPr/>
+              </p:nvPicPr>
+              <p:blipFill>
+                <a:blip r:embed="rId4"/>
+                <a:stretch>
+                  <a:fillRect/>
+                </a:stretch>
+              </p:blipFill>
+              <p:spPr>
+                <a:xfrm>
+                  <a:off x="5541211" y="2382828"/>
+                  <a:ext cx="6284421" cy="3506045"/>
+                </a:xfrm>
+                <a:prstGeom prst="rect">
+                  <a:avLst/>
+                </a:prstGeom>
+              </p:spPr>
+            </p:pic>
+            <p:sp>
+              <p:nvSpPr>
+                <p:cNvPr id="13" name="Rectangle 12"/>
+                <p:cNvSpPr/>
+                <p:nvPr/>
+              </p:nvSpPr>
+              <p:spPr>
+                <a:xfrm>
+                  <a:off x="9362298" y="2502131"/>
+                  <a:ext cx="288778" cy="411973"/>
+                </a:xfrm>
+                <a:prstGeom prst="rect">
+                  <a:avLst/>
+                </a:prstGeom>
+                <a:solidFill>
+                  <a:schemeClr val="bg1"/>
+                </a:solidFill>
+                <a:ln>
+                  <a:noFill/>
+                </a:ln>
+              </p:spPr>
+              <p:style>
+                <a:lnRef idx="2">
+                  <a:schemeClr val="accent1">
+                    <a:shade val="50000"/>
+                  </a:schemeClr>
+                </a:lnRef>
+                <a:fillRef idx="1">
+                  <a:schemeClr val="accent1"/>
+                </a:fillRef>
+                <a:effectRef idx="0">
+                  <a:schemeClr val="accent1"/>
+                </a:effectRef>
+                <a:fontRef idx="minor">
+                  <a:schemeClr val="lt1"/>
+                </a:fontRef>
+              </p:style>
+              <p:txBody>
+                <a:bodyPr rtlCol="0" anchor="ctr"/>
+                <a:lstStyle/>
+                <a:p>
+                  <a:pPr algn="ctr"/>
+                  <a:r>
+                    <a:rPr lang="en-US" smtClean="0">
+                      <a:solidFill>
+                        <a:schemeClr val="tx1"/>
+                      </a:solidFill>
+                    </a:rPr>
+                    <a:t>D</a:t>
+                  </a:r>
+                  <a:endParaRPr lang="en-US">
+                    <a:solidFill>
+                      <a:schemeClr val="tx1"/>
+                    </a:solidFill>
+                  </a:endParaRPr>
+                </a:p>
+              </p:txBody>
+            </p:sp>
+          </p:grpSp>
+          <p:sp>
+            <p:nvSpPr>
+              <p:cNvPr id="15" name="Rectangle 14"/>
+              <p:cNvSpPr/>
+              <p:nvPr/>
+            </p:nvSpPr>
+            <p:spPr>
+              <a:xfrm>
+                <a:off x="9403861" y="5339541"/>
+                <a:ext cx="205651" cy="411973"/>
+              </a:xfrm>
+              <a:prstGeom prst="rect">
+                <a:avLst/>
+              </a:prstGeom>
+              <a:solidFill>
+                <a:schemeClr val="bg1"/>
+              </a:solidFill>
+              <a:ln>
+                <a:noFill/>
+              </a:ln>
+            </p:spPr>
+            <p:style>
+              <a:lnRef idx="2">
+                <a:schemeClr val="accent1">
+                  <a:shade val="50000"/>
+                </a:schemeClr>
+              </a:lnRef>
+              <a:fillRef idx="1">
+                <a:schemeClr val="accent1"/>
+              </a:fillRef>
+              <a:effectRef idx="0">
+                <a:schemeClr val="accent1"/>
+              </a:effectRef>
+              <a:fontRef idx="minor">
+                <a:schemeClr val="lt1"/>
+              </a:fontRef>
+            </p:style>
+            <p:txBody>
+              <a:bodyPr rtlCol="0" anchor="ctr"/>
+              <a:lstStyle/>
+              <a:p>
+                <a:pPr algn="ctr"/>
+                <a:r>
+                  <a:rPr lang="en-US" smtClean="0">
+                    <a:solidFill>
+                      <a:schemeClr val="tx1"/>
+                    </a:solidFill>
+                  </a:rPr>
+                  <a:t>D</a:t>
+                </a:r>
+                <a:endParaRPr lang="en-US">
+                  <a:solidFill>
+                    <a:schemeClr val="tx1"/>
+                  </a:solidFill>
+                </a:endParaRPr>
+              </a:p>
+            </p:txBody>
+          </p:sp>
+        </p:grpSp>
+        <p:sp>
+          <p:nvSpPr>
+            <p:cNvPr id="17" name="Rectangle 16"/>
+            <p:cNvSpPr/>
+            <p:nvPr/>
+          </p:nvSpPr>
+          <p:spPr>
+            <a:xfrm>
+              <a:off x="6005944" y="2502131"/>
+              <a:ext cx="203663" cy="490451"/>
+            </a:xfrm>
+            <a:prstGeom prst="rect">
+              <a:avLst/>
+            </a:prstGeom>
+            <a:solidFill>
+              <a:srgbClr val="9AFF9A"/>
+            </a:solidFill>
+            <a:ln>
+              <a:noFill/>
+            </a:ln>
+          </p:spPr>
+          <p:style>
+            <a:lnRef idx="2">
+              <a:schemeClr val="accent1">
+                <a:shade val="50000"/>
+              </a:schemeClr>
+            </a:lnRef>
+            <a:fillRef idx="1">
+              <a:schemeClr val="accent1"/>
+            </a:fillRef>
+            <a:effectRef idx="0">
+              <a:schemeClr val="accent1"/>
+            </a:effectRef>
+            <a:fontRef idx="minor">
+              <a:schemeClr val="lt1"/>
+            </a:fontRef>
+          </p:style>
+          <p:txBody>
+            <a:bodyPr rtlCol="0" anchor="ctr"/>
+            <a:lstStyle/>
+            <a:p>
+              <a:pPr algn="ctr"/>
+              <a:r>
+                <a:rPr lang="en-US" smtClean="0">
+                  <a:solidFill>
+                    <a:schemeClr val="tx1"/>
+                  </a:solidFill>
+                </a:rPr>
+                <a:t>X</a:t>
+              </a:r>
+              <a:endParaRPr lang="en-US">
+                <a:solidFill>
+                  <a:schemeClr val="tx1"/>
+                </a:solidFill>
+              </a:endParaRPr>
+            </a:p>
+          </p:txBody>
+        </p:sp>
+        <p:sp>
+          <p:nvSpPr>
+            <p:cNvPr id="18" name="Rectangle 17"/>
+            <p:cNvSpPr/>
+            <p:nvPr/>
+          </p:nvSpPr>
+          <p:spPr>
+            <a:xfrm>
+              <a:off x="6360402" y="4889068"/>
+              <a:ext cx="203663" cy="490451"/>
+            </a:xfrm>
+            <a:prstGeom prst="rect">
+              <a:avLst/>
+            </a:prstGeom>
+            <a:solidFill>
+              <a:srgbClr val="9AFF9A"/>
+            </a:solidFill>
+            <a:ln>
+              <a:noFill/>
+            </a:ln>
+          </p:spPr>
+          <p:style>
+            <a:lnRef idx="2">
+              <a:schemeClr val="accent1">
+                <a:shade val="50000"/>
+              </a:schemeClr>
+            </a:lnRef>
+            <a:fillRef idx="1">
+              <a:schemeClr val="accent1"/>
+            </a:fillRef>
+            <a:effectRef idx="0">
+              <a:schemeClr val="accent1"/>
+            </a:effectRef>
+            <a:fontRef idx="minor">
+              <a:schemeClr val="lt1"/>
+            </a:fontRef>
+          </p:style>
+          <p:txBody>
+            <a:bodyPr rtlCol="0" anchor="ctr"/>
+            <a:lstStyle/>
+            <a:p>
+              <a:pPr algn="ctr"/>
+              <a:r>
+                <a:rPr lang="en-US" smtClean="0">
+                  <a:solidFill>
+                    <a:schemeClr val="tx1"/>
+                  </a:solidFill>
+                </a:rPr>
+                <a:t>X</a:t>
+              </a:r>
+              <a:endParaRPr lang="en-US">
+                <a:solidFill>
+                  <a:schemeClr val="tx1"/>
+                </a:solidFill>
+              </a:endParaRPr>
+            </a:p>
+          </p:txBody>
+        </p:sp>
+      </p:grpSp>
+    </p:spTree>
+    <p:extLst>
+      <p:ext uri="{BB962C8B-B14F-4D97-AF65-F5344CB8AC3E}">
+        <p14:creationId xmlns:p14="http://schemas.microsoft.com/office/powerpoint/2010/main" val="2887303319"/>
+      </p:ext>
+    </p:extLst>
+  </p:cSld>
+  <p:clrMapOvr>
+    <a:masterClrMapping/>
+  </p:clrMapOvr>
+</p:sld>
+</file>
+
+<file path=ppt/slides/slide19.xml><?xml version="1.0" encoding="utf-8"?>
 <p:sld xmlns:a="http://schemas.openxmlformats.org/drawingml/2006/main" xmlns:r="http://schemas.openxmlformats.org/officeDocument/2006/relationships" xmlns:p="http://schemas.openxmlformats.org/presentationml/2006/main">
   <p:cSld>
     <p:spTree>
@@ -10773,8 +11906,8 @@
           </p:sp>
         </mc:Fallback>
       </mc:AlternateContent>
-      <mc:AlternateContent xmlns:mc="http://schemas.openxmlformats.org/markup-compatibility/2006" xmlns:a14="http://schemas.microsoft.com/office/drawing/2010/main">
-        <mc:Choice Requires="a14">
+      <mc:AlternateContent xmlns:mc="http://schemas.openxmlformats.org/markup-compatibility/2006">
+        <mc:Choice xmlns:a14="http://schemas.microsoft.com/office/drawing/2010/main" Requires="a14">
           <p:sp>
             <p:nvSpPr>
               <p:cNvPr id="10" name="Content Placeholder 2">
@@ -10792,7 +11925,7 @@
             <p:spPr>
               <a:xfrm>
                 <a:off x="1276065" y="4203408"/>
-                <a:ext cx="8945297" cy="550755"/>
+                <a:ext cx="10514882" cy="550755"/>
               </a:xfrm>
               <a:prstGeom prst="rect">
                 <a:avLst/>
@@ -10800,7 +11933,7 @@
             </p:spPr>
             <p:txBody>
               <a:bodyPr vert="horz" lIns="91440" tIns="45720" rIns="91440" bIns="45720" rtlCol="0">
-                <a:normAutofit/>
+                <a:normAutofit fontScale="92500"/>
               </a:bodyPr>
               <a:lstStyle>
                 <a:lvl1pPr marL="228600" indent="-228600" algn="l" defTabSz="914400" rtl="0" eaLnBrk="1" latinLnBrk="0" hangingPunct="1">
@@ -10968,12 +12101,8 @@
               </a:lstStyle>
               <a:p>
                 <a:r>
-                  <a:rPr lang="en-US"/>
-                  <a:t>E</a:t>
-                </a:r>
-                <a:r>
                   <a:rPr lang="en-US" smtClean="0"/>
-                  <a:t>igen-vector </a:t>
+                  <a:t>Eigen-vector (vector riêng) </a:t>
                 </a:r>
                 <a14:m>
                   <m:oMath xmlns:m="http://schemas.openxmlformats.org/officeDocument/2006/math">
@@ -11028,7 +12157,7 @@
             </p:txBody>
           </p:sp>
         </mc:Choice>
-        <mc:Fallback xmlns="">
+        <mc:Fallback>
           <p:sp>
             <p:nvSpPr>
               <p:cNvPr id="10" name="Content Placeholder 2">
@@ -11046,7 +12175,7 @@
             <p:spPr>
               <a:xfrm>
                 <a:off x="1276065" y="4203408"/>
-                <a:ext cx="8945297" cy="550755"/>
+                <a:ext cx="10514882" cy="550755"/>
               </a:xfrm>
               <a:prstGeom prst="rect">
                 <a:avLst/>
@@ -11054,7 +12183,7 @@
               <a:blipFill>
                 <a:blip r:embed="rId6"/>
                 <a:stretch>
-                  <a:fillRect l="-1226" t="-16667" b="-21111"/>
+                  <a:fillRect l="-870" t="-15556" b="-12222"/>
                 </a:stretch>
               </a:blipFill>
             </p:spPr>
@@ -11073,8 +12202,192 @@
           </p:sp>
         </mc:Fallback>
       </mc:AlternateContent>
-      <mc:AlternateContent xmlns:mc="http://schemas.openxmlformats.org/markup-compatibility/2006" xmlns:a14="http://schemas.microsoft.com/office/drawing/2010/main">
-        <mc:Choice Requires="a14">
+    </p:spTree>
+    <p:extLst>
+      <p:ext uri="{BB962C8B-B14F-4D97-AF65-F5344CB8AC3E}">
+        <p14:creationId xmlns:p14="http://schemas.microsoft.com/office/powerpoint/2010/main" val="1659066714"/>
+      </p:ext>
+    </p:extLst>
+  </p:cSld>
+  <p:clrMapOvr>
+    <a:masterClrMapping/>
+  </p:clrMapOvr>
+</p:sld>
+</file>
+
+<file path=ppt/slides/slide2.xml><?xml version="1.0" encoding="utf-8"?>
+<p:sld xmlns:a="http://schemas.openxmlformats.org/drawingml/2006/main" xmlns:r="http://schemas.openxmlformats.org/officeDocument/2006/relationships" xmlns:p="http://schemas.openxmlformats.org/presentationml/2006/main">
+  <p:cSld>
+    <p:spTree>
+      <p:nvGrpSpPr>
+        <p:cNvPr id="1" name=""/>
+        <p:cNvGrpSpPr/>
+        <p:nvPr/>
+      </p:nvGrpSpPr>
+      <p:grpSpPr>
+        <a:xfrm>
+          <a:off x="0" y="0"/>
+          <a:ext cx="0" cy="0"/>
+          <a:chOff x="0" y="0"/>
+          <a:chExt cx="0" cy="0"/>
+        </a:xfrm>
+      </p:grpSpPr>
+      <p:sp>
+        <p:nvSpPr>
+          <p:cNvPr id="2" name="Title 1">
+            <a:extLst>
+              <a:ext uri="{FF2B5EF4-FFF2-40B4-BE49-F238E27FC236}">
+                <a16:creationId xmlns:a16="http://schemas.microsoft.com/office/drawing/2014/main" id="{D90D6DC3-B069-4E46-90AE-BC02FC4B5F00}"/>
+              </a:ext>
+            </a:extLst>
+          </p:cNvPr>
+          <p:cNvSpPr>
+            <a:spLocks noGrp="1"/>
+          </p:cNvSpPr>
+          <p:nvPr>
+            <p:ph type="title"/>
+          </p:nvPr>
+        </p:nvSpPr>
+        <p:spPr/>
+        <p:txBody>
+          <a:bodyPr/>
+          <a:lstStyle/>
+          <a:p>
+            <a:r>
+              <a:rPr lang="en-US" err="1"/>
+              <a:t>Tài</a:t>
+            </a:r>
+            <a:r>
+              <a:rPr lang="en-US"/>
+              <a:t> </a:t>
+            </a:r>
+            <a:r>
+              <a:rPr lang="en-US" err="1"/>
+              <a:t>liệu</a:t>
+            </a:r>
+            <a:r>
+              <a:rPr lang="en-US"/>
+              <a:t> </a:t>
+            </a:r>
+            <a:r>
+              <a:rPr lang="en-US" err="1"/>
+              <a:t>tham</a:t>
+            </a:r>
+            <a:r>
+              <a:rPr lang="en-US"/>
+              <a:t> </a:t>
+            </a:r>
+            <a:r>
+              <a:rPr lang="en-US" err="1"/>
+              <a:t>khảo</a:t>
+            </a:r>
+            <a:endParaRPr lang="en-US"/>
+          </a:p>
+        </p:txBody>
+      </p:sp>
+      <p:sp>
+        <p:nvSpPr>
+          <p:cNvPr id="3" name="Content Placeholder 2">
+            <a:extLst>
+              <a:ext uri="{FF2B5EF4-FFF2-40B4-BE49-F238E27FC236}">
+                <a16:creationId xmlns:a16="http://schemas.microsoft.com/office/drawing/2014/main" id="{4F1B333D-9B08-4BC4-BA2F-2FDEEB248EAE}"/>
+              </a:ext>
+            </a:extLst>
+          </p:cNvPr>
+          <p:cNvSpPr>
+            <a:spLocks noGrp="1"/>
+          </p:cNvSpPr>
+          <p:nvPr>
+            <p:ph idx="1"/>
+          </p:nvPr>
+        </p:nvSpPr>
+        <p:spPr/>
+        <p:txBody>
+          <a:bodyPr/>
+          <a:lstStyle/>
+          <a:p>
+            <a:r>
+              <a:rPr lang="en-US"/>
+              <a:t>Trevor Hastie, Robert </a:t>
+            </a:r>
+            <a:r>
+              <a:rPr lang="en-US" err="1"/>
+              <a:t>Tibshirani</a:t>
+            </a:r>
+            <a:r>
+              <a:rPr lang="en-US"/>
+              <a:t>, Jerome Friedman, 2008, The Elements of Statistical Learning: Data Mining, Inference, and Prediction (Second Edition).</a:t>
+            </a:r>
+          </a:p>
+        </p:txBody>
+      </p:sp>
+    </p:spTree>
+    <p:extLst>
+      <p:ext uri="{BB962C8B-B14F-4D97-AF65-F5344CB8AC3E}">
+        <p14:creationId xmlns:p14="http://schemas.microsoft.com/office/powerpoint/2010/main" val="3380814803"/>
+      </p:ext>
+    </p:extLst>
+  </p:cSld>
+  <p:clrMapOvr>
+    <a:masterClrMapping/>
+  </p:clrMapOvr>
+</p:sld>
+</file>
+
+<file path=ppt/slides/slide20.xml><?xml version="1.0" encoding="utf-8"?>
+<p:sld xmlns:a="http://schemas.openxmlformats.org/drawingml/2006/main" xmlns:r="http://schemas.openxmlformats.org/officeDocument/2006/relationships" xmlns:p="http://schemas.openxmlformats.org/presentationml/2006/main">
+  <p:cSld>
+    <p:spTree>
+      <p:nvGrpSpPr>
+        <p:cNvPr id="1" name=""/>
+        <p:cNvGrpSpPr/>
+        <p:nvPr/>
+      </p:nvGrpSpPr>
+      <p:grpSpPr>
+        <a:xfrm>
+          <a:off x="0" y="0"/>
+          <a:ext cx="0" cy="0"/>
+          <a:chOff x="0" y="0"/>
+          <a:chExt cx="0" cy="0"/>
+        </a:xfrm>
+      </p:grpSpPr>
+      <p:sp>
+        <p:nvSpPr>
+          <p:cNvPr id="5" name="Title 4">
+            <a:extLst>
+              <a:ext uri="{FF2B5EF4-FFF2-40B4-BE49-F238E27FC236}">
+                <a16:creationId xmlns:a16="http://schemas.microsoft.com/office/drawing/2014/main" id="{1ACD2337-0507-40BF-B21F-D38B9A855491}"/>
+              </a:ext>
+            </a:extLst>
+          </p:cNvPr>
+          <p:cNvSpPr>
+            <a:spLocks noGrp="1"/>
+          </p:cNvSpPr>
+          <p:nvPr>
+            <p:ph type="title"/>
+          </p:nvPr>
+        </p:nvSpPr>
+        <p:spPr/>
+        <p:txBody>
+          <a:bodyPr/>
+          <a:lstStyle/>
+          <a:p>
+            <a:r>
+              <a:rPr lang="en-US" smtClean="0">
+                <a:latin typeface="Times New Roman" panose="02020603050405020304" pitchFamily="18" charset="0"/>
+                <a:cs typeface="Times New Roman" panose="02020603050405020304" pitchFamily="18" charset="0"/>
+              </a:rPr>
+              <a:t>3.1c SVD trong Ridge regression</a:t>
+            </a:r>
+            <a:endParaRPr lang="en-US">
+              <a:latin typeface="Times New Roman" panose="02020603050405020304" pitchFamily="18" charset="0"/>
+              <a:cs typeface="Times New Roman" panose="02020603050405020304" pitchFamily="18" charset="0"/>
+            </a:endParaRPr>
+          </a:p>
+        </p:txBody>
+      </p:sp>
+      <mc:AlternateContent xmlns:mc="http://schemas.openxmlformats.org/markup-compatibility/2006">
+        <mc:Choice xmlns:a14="http://schemas.microsoft.com/office/drawing/2010/main" Requires="a14">
           <p:sp>
             <p:nvSpPr>
               <p:cNvPr id="13" name="Content Placeholder 2">
@@ -11091,8 +12404,8 @@
             </p:nvSpPr>
             <p:spPr>
               <a:xfrm>
-                <a:off x="1276064" y="4754163"/>
-                <a:ext cx="8945297" cy="550755"/>
+                <a:off x="838200" y="1690688"/>
+                <a:ext cx="5317241" cy="550755"/>
               </a:xfrm>
               <a:prstGeom prst="rect">
                 <a:avLst/>
@@ -11335,14 +12648,18 @@
                 </a14:m>
                 <a:r>
                   <a:rPr lang="en-US" smtClean="0"/>
-                  <a:t> là phương sai lớn nhất</a:t>
+                  <a:t> </a:t>
+                </a:r>
+                <a:r>
+                  <a:rPr lang="en-US" smtClean="0"/>
+                  <a:t>có phương sai lớn nhất</a:t>
                 </a:r>
                 <a:endParaRPr lang="en-US"/>
               </a:p>
             </p:txBody>
           </p:sp>
         </mc:Choice>
-        <mc:Fallback xmlns="">
+        <mc:Fallback>
           <p:sp>
             <p:nvSpPr>
               <p:cNvPr id="13" name="Content Placeholder 2">
@@ -11359,16 +12676,216 @@
             </p:nvSpPr>
             <p:spPr>
               <a:xfrm>
-                <a:off x="1276064" y="4754163"/>
-                <a:ext cx="8945297" cy="550755"/>
+                <a:off x="838200" y="1690688"/>
+                <a:ext cx="5317241" cy="550755"/>
               </a:xfrm>
               <a:prstGeom prst="rect">
                 <a:avLst/>
               </a:prstGeom>
               <a:blipFill>
-                <a:blip r:embed="rId7"/>
+                <a:blip r:embed="rId2"/>
                 <a:stretch>
-                  <a:fillRect t="-18889" b="-18889"/>
+                  <a:fillRect t="-17582" b="-17582"/>
+                </a:stretch>
+              </a:blipFill>
+            </p:spPr>
+            <p:txBody>
+              <a:bodyPr/>
+              <a:lstStyle/>
+              <a:p>
+                <a:r>
+                  <a:rPr lang="en-US">
+                    <a:noFill/>
+                  </a:rPr>
+                  <a:t> </a:t>
+                </a:r>
+              </a:p>
+            </p:txBody>
+          </p:sp>
+        </mc:Fallback>
+      </mc:AlternateContent>
+      <p:pic>
+        <p:nvPicPr>
+          <p:cNvPr id="7" name="Picture 6"/>
+          <p:cNvPicPr>
+            <a:picLocks noChangeAspect="1"/>
+          </p:cNvPicPr>
+          <p:nvPr/>
+        </p:nvPicPr>
+        <p:blipFill>
+          <a:blip r:embed="rId3"/>
+          <a:stretch>
+            <a:fillRect/>
+          </a:stretch>
+        </p:blipFill>
+        <p:spPr>
+          <a:xfrm>
+            <a:off x="6155441" y="1690688"/>
+            <a:ext cx="4505325" cy="4476750"/>
+          </a:xfrm>
+          <a:prstGeom prst="rect">
+            <a:avLst/>
+          </a:prstGeom>
+        </p:spPr>
+      </p:pic>
+      <mc:AlternateContent xmlns:mc="http://schemas.openxmlformats.org/markup-compatibility/2006">
+        <mc:Choice xmlns:a14="http://schemas.microsoft.com/office/drawing/2010/main" Requires="a14">
+          <p:sp>
+            <p:nvSpPr>
+              <p:cNvPr id="8" name="Rectangle 7"/>
+              <p:cNvSpPr/>
+              <p:nvPr/>
+            </p:nvSpPr>
+            <p:spPr>
+              <a:xfrm>
+                <a:off x="2323774" y="2357568"/>
+                <a:ext cx="2346091" cy="960391"/>
+              </a:xfrm>
+              <a:prstGeom prst="rect">
+                <a:avLst/>
+              </a:prstGeom>
+            </p:spPr>
+            <p:txBody>
+              <a:bodyPr wrap="none">
+                <a:spAutoFit/>
+              </a:bodyPr>
+              <a:lstStyle/>
+              <a:p>
+                <a14:m>
+                  <m:oMathPara xmlns:m="http://schemas.openxmlformats.org/officeDocument/2006/math">
+                    <m:oMathParaPr>
+                      <m:jc m:val="centerGroup"/>
+                    </m:oMathParaPr>
+                    <m:oMath xmlns:m="http://schemas.openxmlformats.org/officeDocument/2006/math">
+                      <m:r>
+                        <a:rPr lang="en-US" sz="2800" b="0" i="1" smtClean="0">
+                          <a:latin typeface="Cambria Math" panose="02040503050406030204" pitchFamily="18" charset="0"/>
+                        </a:rPr>
+                        <m:t>𝑉𝑎𝑟</m:t>
+                      </m:r>
+                      <m:d>
+                        <m:dPr>
+                          <m:ctrlPr>
+                            <a:rPr lang="en-US" sz="2800" b="0" i="1" smtClean="0">
+                              <a:latin typeface="Cambria Math" panose="02040503050406030204" pitchFamily="18" charset="0"/>
+                            </a:rPr>
+                          </m:ctrlPr>
+                        </m:dPr>
+                        <m:e>
+                          <m:sSub>
+                            <m:sSubPr>
+                              <m:ctrlPr>
+                                <a:rPr lang="en-US" sz="2800" i="1">
+                                  <a:latin typeface="Cambria Math" panose="02040503050406030204" pitchFamily="18" charset="0"/>
+                                </a:rPr>
+                              </m:ctrlPr>
+                            </m:sSubPr>
+                            <m:e>
+                              <m:r>
+                                <a:rPr lang="en-US" sz="2800" i="1">
+                                  <a:latin typeface="Cambria Math" panose="02040503050406030204" pitchFamily="18" charset="0"/>
+                                </a:rPr>
+                                <m:t>𝑧</m:t>
+                              </m:r>
+                            </m:e>
+                            <m:sub>
+                              <m:r>
+                                <a:rPr lang="en-US" sz="2800">
+                                  <a:latin typeface="Cambria Math" panose="02040503050406030204" pitchFamily="18" charset="0"/>
+                                </a:rPr>
+                                <m:t>1</m:t>
+                              </m:r>
+                            </m:sub>
+                          </m:sSub>
+                        </m:e>
+                      </m:d>
+                      <m:r>
+                        <a:rPr lang="en-US" sz="2800" b="0" i="1" smtClean="0">
+                          <a:latin typeface="Cambria Math" panose="02040503050406030204" pitchFamily="18" charset="0"/>
+                        </a:rPr>
+                        <m:t>=</m:t>
+                      </m:r>
+                      <m:f>
+                        <m:fPr>
+                          <m:ctrlPr>
+                            <a:rPr lang="en-US" sz="2800" b="0" i="1" smtClean="0">
+                              <a:latin typeface="Cambria Math" panose="02040503050406030204" pitchFamily="18" charset="0"/>
+                            </a:rPr>
+                          </m:ctrlPr>
+                        </m:fPr>
+                        <m:num>
+                          <m:sSubSup>
+                            <m:sSubSupPr>
+                              <m:ctrlPr>
+                                <a:rPr lang="en-US" sz="2800" b="0" i="1" smtClean="0">
+                                  <a:latin typeface="Cambria Math" panose="02040503050406030204" pitchFamily="18" charset="0"/>
+                                </a:rPr>
+                              </m:ctrlPr>
+                            </m:sSubSupPr>
+                            <m:e>
+                              <m:r>
+                                <a:rPr lang="en-US" sz="2800" b="0" i="1" smtClean="0">
+                                  <a:latin typeface="Cambria Math" panose="02040503050406030204" pitchFamily="18" charset="0"/>
+                                </a:rPr>
+                                <m:t>𝑑</m:t>
+                              </m:r>
+                            </m:e>
+                            <m:sub>
+                              <m:r>
+                                <a:rPr lang="en-US" sz="2800" b="0" i="1" smtClean="0">
+                                  <a:latin typeface="Cambria Math" panose="02040503050406030204" pitchFamily="18" charset="0"/>
+                                </a:rPr>
+                                <m:t>1</m:t>
+                              </m:r>
+                            </m:sub>
+                            <m:sup>
+                              <m:r>
+                                <a:rPr lang="en-US" sz="2800" b="0" i="1" smtClean="0">
+                                  <a:latin typeface="Cambria Math" panose="02040503050406030204" pitchFamily="18" charset="0"/>
+                                </a:rPr>
+                                <m:t>2</m:t>
+                              </m:r>
+                            </m:sup>
+                          </m:sSubSup>
+                        </m:num>
+                        <m:den>
+                          <m:r>
+                            <a:rPr lang="en-US" sz="2800" b="0" i="1" smtClean="0">
+                              <a:latin typeface="Cambria Math" panose="02040503050406030204" pitchFamily="18" charset="0"/>
+                            </a:rPr>
+                            <m:t>𝑁</m:t>
+                          </m:r>
+                        </m:den>
+                      </m:f>
+                    </m:oMath>
+                  </m:oMathPara>
+                </a14:m>
+                <a:endParaRPr lang="en-US" sz="2800"/>
+              </a:p>
+            </p:txBody>
+          </p:sp>
+        </mc:Choice>
+        <mc:Fallback>
+          <p:sp>
+            <p:nvSpPr>
+              <p:cNvPr id="8" name="Rectangle 7"/>
+              <p:cNvSpPr>
+                <a:spLocks noRot="1" noChangeAspect="1" noMove="1" noResize="1" noEditPoints="1" noAdjustHandles="1" noChangeArrowheads="1" noChangeShapeType="1" noTextEdit="1"/>
+              </p:cNvSpPr>
+              <p:nvPr/>
+            </p:nvSpPr>
+            <p:spPr>
+              <a:xfrm>
+                <a:off x="2323774" y="2357568"/>
+                <a:ext cx="2346091" cy="960391"/>
+              </a:xfrm>
+              <a:prstGeom prst="rect">
+                <a:avLst/>
+              </a:prstGeom>
+              <a:blipFill>
+                <a:blip r:embed="rId4"/>
+                <a:stretch>
+                  <a:fillRect/>
                 </a:stretch>
               </a:blipFill>
             </p:spPr>
@@ -11390,7 +12907,7 @@
     </p:spTree>
     <p:extLst>
       <p:ext uri="{BB962C8B-B14F-4D97-AF65-F5344CB8AC3E}">
-        <p14:creationId xmlns:p14="http://schemas.microsoft.com/office/powerpoint/2010/main" val="1659066714"/>
+        <p14:creationId xmlns:p14="http://schemas.microsoft.com/office/powerpoint/2010/main" val="1723767496"/>
       </p:ext>
     </p:extLst>
   </p:cSld>
@@ -11400,7 +12917,7 @@
 </p:sld>
 </file>
 
-<file path=ppt/slides/slide19.xml><?xml version="1.0" encoding="utf-8"?>
+<file path=ppt/slides/slide21.xml><?xml version="1.0" encoding="utf-8"?>
 <p:sld xmlns:a="http://schemas.openxmlformats.org/drawingml/2006/main" xmlns:r="http://schemas.openxmlformats.org/officeDocument/2006/relationships" xmlns:p="http://schemas.openxmlformats.org/presentationml/2006/main">
   <p:cSld>
     <p:spTree>
@@ -11443,7 +12960,14 @@
                 <a:latin typeface="Times New Roman" panose="02020603050405020304" pitchFamily="18" charset="0"/>
                 <a:cs typeface="Times New Roman" panose="02020603050405020304" pitchFamily="18" charset="0"/>
               </a:rPr>
-              <a:t>3.1c SVD trong Ridge regression</a:t>
+              <a:t>3.1d </a:t>
+            </a:r>
+            <a:r>
+              <a:rPr lang="en-US" smtClean="0">
+                <a:latin typeface="Times New Roman" panose="02020603050405020304" pitchFamily="18" charset="0"/>
+                <a:cs typeface="Times New Roman" panose="02020603050405020304" pitchFamily="18" charset="0"/>
+              </a:rPr>
+              <a:t>SVD trong Ridge regression</a:t>
             </a:r>
             <a:endParaRPr lang="en-US">
               <a:latin typeface="Times New Roman" panose="02020603050405020304" pitchFamily="18" charset="0"/>
@@ -11700,8 +13224,8 @@
           </p:sp>
         </mc:Fallback>
       </mc:AlternateContent>
-      <mc:AlternateContent xmlns:mc="http://schemas.openxmlformats.org/markup-compatibility/2006" xmlns:a14="http://schemas.microsoft.com/office/drawing/2010/main">
-        <mc:Choice Requires="a14">
+      <mc:AlternateContent xmlns:mc="http://schemas.openxmlformats.org/markup-compatibility/2006">
+        <mc:Choice xmlns:a14="http://schemas.microsoft.com/office/drawing/2010/main" Requires="a14">
           <p:sp>
             <p:nvSpPr>
               <p:cNvPr id="8" name="Rectangle 7"/>
@@ -11731,7 +13255,7 @@
                     </m:oMathParaPr>
                     <m:oMath xmlns:m="http://schemas.openxmlformats.org/officeDocument/2006/math">
                       <m:r>
-                        <a:rPr lang="en-US" sz="2800" i="1">
+                        <a:rPr lang="en-US" sz="2800" i="1" smtClean="0">
                           <a:latin typeface="Cambria Math" panose="02040503050406030204" pitchFamily="18" charset="0"/>
                         </a:rPr>
                         <m:t>𝑋</m:t>
@@ -12174,6 +13698,48 @@
                           </m:f>
                         </m:e>
                       </m:nary>
+                      <m:sSubSup>
+                        <m:sSubSupPr>
+                          <m:ctrlPr>
+                            <a:rPr lang="en-US" sz="2800" i="1">
+                              <a:latin typeface="Cambria Math" panose="02040503050406030204" pitchFamily="18" charset="0"/>
+                            </a:rPr>
+                          </m:ctrlPr>
+                        </m:sSubSupPr>
+                        <m:e>
+                          <m:r>
+                            <a:rPr lang="en-US" sz="2800" b="0" i="1" smtClean="0">
+                              <a:latin typeface="Cambria Math" panose="02040503050406030204" pitchFamily="18" charset="0"/>
+                            </a:rPr>
+                            <m:t>𝑢</m:t>
+                          </m:r>
+                        </m:e>
+                        <m:sub>
+                          <m:r>
+                            <a:rPr lang="en-US" sz="2800" i="1">
+                              <a:latin typeface="Cambria Math" panose="02040503050406030204" pitchFamily="18" charset="0"/>
+                            </a:rPr>
+                            <m:t>𝑗</m:t>
+                          </m:r>
+                        </m:sub>
+                        <m:sup>
+                          <m:r>
+                            <m:rPr>
+                              <m:sty m:val="p"/>
+                            </m:rPr>
+                            <a:rPr lang="en-US" sz="2800" b="0" i="0" smtClean="0">
+                              <a:latin typeface="Cambria Math" panose="02040503050406030204" pitchFamily="18" charset="0"/>
+                            </a:rPr>
+                            <m:t>T</m:t>
+                          </m:r>
+                        </m:sup>
+                      </m:sSubSup>
+                      <m:r>
+                        <a:rPr lang="en-US" sz="2800" b="0" i="1" smtClean="0">
+                          <a:latin typeface="Cambria Math" panose="02040503050406030204" pitchFamily="18" charset="0"/>
+                        </a:rPr>
+                        <m:t>𝑦</m:t>
+                      </m:r>
                     </m:oMath>
                   </m:oMathPara>
                 </a14:m>
@@ -12182,7 +13748,7 @@
             </p:txBody>
           </p:sp>
         </mc:Choice>
-        <mc:Fallback xmlns="">
+        <mc:Fallback>
           <p:sp>
             <p:nvSpPr>
               <p:cNvPr id="8" name="Rectangle 7"/>
@@ -12221,6 +13787,410 @@
           </p:sp>
         </mc:Fallback>
       </mc:AlternateContent>
+      <mc:AlternateContent xmlns:mc="http://schemas.openxmlformats.org/markup-compatibility/2006">
+        <mc:Choice xmlns:a14="http://schemas.microsoft.com/office/drawing/2010/main" Requires="a14">
+          <p:sp>
+            <p:nvSpPr>
+              <p:cNvPr id="6" name="Content Placeholder 2">
+                <a:extLst>
+                  <a:ext uri="{FF2B5EF4-FFF2-40B4-BE49-F238E27FC236}">
+                    <a16:creationId xmlns:a16="http://schemas.microsoft.com/office/drawing/2014/main" id="{AE91FBA0-EF25-45A7-B67E-901348E98F04}"/>
+                  </a:ext>
+                </a:extLst>
+              </p:cNvPr>
+              <p:cNvSpPr txBox="1">
+                <a:spLocks/>
+              </p:cNvSpPr>
+              <p:nvPr/>
+            </p:nvSpPr>
+            <p:spPr>
+              <a:xfrm>
+                <a:off x="3707525" y="5316073"/>
+                <a:ext cx="3685667" cy="894948"/>
+              </a:xfrm>
+              <a:prstGeom prst="rect">
+                <a:avLst/>
+              </a:prstGeom>
+            </p:spPr>
+            <p:txBody>
+              <a:bodyPr vert="horz" lIns="91440" tIns="45720" rIns="91440" bIns="45720" rtlCol="0">
+                <a:noAutofit/>
+              </a:bodyPr>
+              <a:lstStyle>
+                <a:lvl1pPr marL="228600" indent="-228600" algn="l" defTabSz="914400" rtl="0" eaLnBrk="1" latinLnBrk="0" hangingPunct="1">
+                  <a:lnSpc>
+                    <a:spcPct val="90000"/>
+                  </a:lnSpc>
+                  <a:spcBef>
+                    <a:spcPts val="1000"/>
+                  </a:spcBef>
+                  <a:buFont typeface="Arial" panose="020B0604020202020204" pitchFamily="34" charset="0"/>
+                  <a:buChar char="•"/>
+                  <a:defRPr sz="2800" kern="1200">
+                    <a:solidFill>
+                      <a:schemeClr val="tx1"/>
+                    </a:solidFill>
+                    <a:latin typeface="+mn-lt"/>
+                    <a:ea typeface="+mn-ea"/>
+                    <a:cs typeface="+mn-cs"/>
+                  </a:defRPr>
+                </a:lvl1pPr>
+                <a:lvl2pPr marL="685800" indent="-228600" algn="l" defTabSz="914400" rtl="0" eaLnBrk="1" latinLnBrk="0" hangingPunct="1">
+                  <a:lnSpc>
+                    <a:spcPct val="90000"/>
+                  </a:lnSpc>
+                  <a:spcBef>
+                    <a:spcPts val="500"/>
+                  </a:spcBef>
+                  <a:buFont typeface="Arial" panose="020B0604020202020204" pitchFamily="34" charset="0"/>
+                  <a:buChar char="•"/>
+                  <a:defRPr sz="2400" kern="1200">
+                    <a:solidFill>
+                      <a:schemeClr val="tx1"/>
+                    </a:solidFill>
+                    <a:latin typeface="+mn-lt"/>
+                    <a:ea typeface="+mn-ea"/>
+                    <a:cs typeface="+mn-cs"/>
+                  </a:defRPr>
+                </a:lvl2pPr>
+                <a:lvl3pPr marL="1143000" indent="-228600" algn="l" defTabSz="914400" rtl="0" eaLnBrk="1" latinLnBrk="0" hangingPunct="1">
+                  <a:lnSpc>
+                    <a:spcPct val="90000"/>
+                  </a:lnSpc>
+                  <a:spcBef>
+                    <a:spcPts val="500"/>
+                  </a:spcBef>
+                  <a:buFont typeface="Arial" panose="020B0604020202020204" pitchFamily="34" charset="0"/>
+                  <a:buChar char="•"/>
+                  <a:defRPr sz="2000" kern="1200">
+                    <a:solidFill>
+                      <a:schemeClr val="tx1"/>
+                    </a:solidFill>
+                    <a:latin typeface="+mn-lt"/>
+                    <a:ea typeface="+mn-ea"/>
+                    <a:cs typeface="+mn-cs"/>
+                  </a:defRPr>
+                </a:lvl3pPr>
+                <a:lvl4pPr marL="1600200" indent="-228600" algn="l" defTabSz="914400" rtl="0" eaLnBrk="1" latinLnBrk="0" hangingPunct="1">
+                  <a:lnSpc>
+                    <a:spcPct val="90000"/>
+                  </a:lnSpc>
+                  <a:spcBef>
+                    <a:spcPts val="500"/>
+                  </a:spcBef>
+                  <a:buFont typeface="Arial" panose="020B0604020202020204" pitchFamily="34" charset="0"/>
+                  <a:buChar char="•"/>
+                  <a:defRPr sz="1800" kern="1200">
+                    <a:solidFill>
+                      <a:schemeClr val="tx1"/>
+                    </a:solidFill>
+                    <a:latin typeface="+mn-lt"/>
+                    <a:ea typeface="+mn-ea"/>
+                    <a:cs typeface="+mn-cs"/>
+                  </a:defRPr>
+                </a:lvl4pPr>
+                <a:lvl5pPr marL="2057400" indent="-228600" algn="l" defTabSz="914400" rtl="0" eaLnBrk="1" latinLnBrk="0" hangingPunct="1">
+                  <a:lnSpc>
+                    <a:spcPct val="90000"/>
+                  </a:lnSpc>
+                  <a:spcBef>
+                    <a:spcPts val="500"/>
+                  </a:spcBef>
+                  <a:buFont typeface="Arial" panose="020B0604020202020204" pitchFamily="34" charset="0"/>
+                  <a:buChar char="•"/>
+                  <a:defRPr sz="1800" kern="1200">
+                    <a:solidFill>
+                      <a:schemeClr val="tx1"/>
+                    </a:solidFill>
+                    <a:latin typeface="+mn-lt"/>
+                    <a:ea typeface="+mn-ea"/>
+                    <a:cs typeface="+mn-cs"/>
+                  </a:defRPr>
+                </a:lvl5pPr>
+                <a:lvl6pPr marL="2514600" indent="-228600" algn="l" defTabSz="914400" rtl="0" eaLnBrk="1" latinLnBrk="0" hangingPunct="1">
+                  <a:lnSpc>
+                    <a:spcPct val="90000"/>
+                  </a:lnSpc>
+                  <a:spcBef>
+                    <a:spcPts val="500"/>
+                  </a:spcBef>
+                  <a:buFont typeface="Arial" panose="020B0604020202020204" pitchFamily="34" charset="0"/>
+                  <a:buChar char="•"/>
+                  <a:defRPr sz="1800" kern="1200">
+                    <a:solidFill>
+                      <a:schemeClr val="tx1"/>
+                    </a:solidFill>
+                    <a:latin typeface="+mn-lt"/>
+                    <a:ea typeface="+mn-ea"/>
+                    <a:cs typeface="+mn-cs"/>
+                  </a:defRPr>
+                </a:lvl6pPr>
+                <a:lvl7pPr marL="2971800" indent="-228600" algn="l" defTabSz="914400" rtl="0" eaLnBrk="1" latinLnBrk="0" hangingPunct="1">
+                  <a:lnSpc>
+                    <a:spcPct val="90000"/>
+                  </a:lnSpc>
+                  <a:spcBef>
+                    <a:spcPts val="500"/>
+                  </a:spcBef>
+                  <a:buFont typeface="Arial" panose="020B0604020202020204" pitchFamily="34" charset="0"/>
+                  <a:buChar char="•"/>
+                  <a:defRPr sz="1800" kern="1200">
+                    <a:solidFill>
+                      <a:schemeClr val="tx1"/>
+                    </a:solidFill>
+                    <a:latin typeface="+mn-lt"/>
+                    <a:ea typeface="+mn-ea"/>
+                    <a:cs typeface="+mn-cs"/>
+                  </a:defRPr>
+                </a:lvl7pPr>
+                <a:lvl8pPr marL="3429000" indent="-228600" algn="l" defTabSz="914400" rtl="0" eaLnBrk="1" latinLnBrk="0" hangingPunct="1">
+                  <a:lnSpc>
+                    <a:spcPct val="90000"/>
+                  </a:lnSpc>
+                  <a:spcBef>
+                    <a:spcPts val="500"/>
+                  </a:spcBef>
+                  <a:buFont typeface="Arial" panose="020B0604020202020204" pitchFamily="34" charset="0"/>
+                  <a:buChar char="•"/>
+                  <a:defRPr sz="1800" kern="1200">
+                    <a:solidFill>
+                      <a:schemeClr val="tx1"/>
+                    </a:solidFill>
+                    <a:latin typeface="+mn-lt"/>
+                    <a:ea typeface="+mn-ea"/>
+                    <a:cs typeface="+mn-cs"/>
+                  </a:defRPr>
+                </a:lvl8pPr>
+                <a:lvl9pPr marL="3886200" indent="-228600" algn="l" defTabSz="914400" rtl="0" eaLnBrk="1" latinLnBrk="0" hangingPunct="1">
+                  <a:lnSpc>
+                    <a:spcPct val="90000"/>
+                  </a:lnSpc>
+                  <a:spcBef>
+                    <a:spcPts val="500"/>
+                  </a:spcBef>
+                  <a:buFont typeface="Arial" panose="020B0604020202020204" pitchFamily="34" charset="0"/>
+                  <a:buChar char="•"/>
+                  <a:defRPr sz="1800" kern="1200">
+                    <a:solidFill>
+                      <a:schemeClr val="tx1"/>
+                    </a:solidFill>
+                    <a:latin typeface="+mn-lt"/>
+                    <a:ea typeface="+mn-ea"/>
+                    <a:cs typeface="+mn-cs"/>
+                  </a:defRPr>
+                </a:lvl9pPr>
+              </a:lstStyle>
+              <a:p>
+                <a:pPr marL="0" indent="0">
+                  <a:buNone/>
+                </a:pPr>
+                <a:r>
+                  <a:rPr lang="en-US" smtClean="0">
+                    <a:latin typeface="Times New Roman" panose="02020603050405020304" pitchFamily="18" charset="0"/>
+                    <a:cs typeface="Times New Roman" panose="02020603050405020304" pitchFamily="18" charset="0"/>
+                  </a:rPr>
+                  <a:t>Do </a:t>
+                </a:r>
+                <a14:m>
+                  <m:oMath xmlns:m="http://schemas.openxmlformats.org/officeDocument/2006/math">
+                    <m:r>
+                      <a:rPr lang="en-US" i="1">
+                        <a:latin typeface="Cambria Math" panose="02040503050406030204" pitchFamily="18" charset="0"/>
+                      </a:rPr>
+                      <m:t>𝜆</m:t>
+                    </m:r>
+                    <m:r>
+                      <a:rPr lang="en-US" i="1">
+                        <a:latin typeface="Cambria Math" panose="02040503050406030204" pitchFamily="18" charset="0"/>
+                        <a:ea typeface="Cambria Math" panose="02040503050406030204" pitchFamily="18" charset="0"/>
+                      </a:rPr>
+                      <m:t>≥</m:t>
+                    </m:r>
+                    <m:r>
+                      <a:rPr lang="en-US" b="0" i="1" smtClean="0">
+                        <a:latin typeface="Cambria Math" panose="02040503050406030204" pitchFamily="18" charset="0"/>
+                        <a:ea typeface="Cambria Math" panose="02040503050406030204" pitchFamily="18" charset="0"/>
+                      </a:rPr>
+                      <m:t>0</m:t>
+                    </m:r>
+                  </m:oMath>
+                </a14:m>
+                <a:r>
+                  <a:rPr lang="en-US" smtClean="0">
+                    <a:latin typeface="Times New Roman" panose="02020603050405020304" pitchFamily="18" charset="0"/>
+                    <a:cs typeface="Times New Roman" panose="02020603050405020304" pitchFamily="18" charset="0"/>
+                  </a:rPr>
+                  <a:t> nên </a:t>
+                </a:r>
+                <a14:m>
+                  <m:oMath xmlns:m="http://schemas.openxmlformats.org/officeDocument/2006/math">
+                    <m:f>
+                      <m:fPr>
+                        <m:ctrlPr>
+                          <a:rPr lang="en-US" i="1">
+                            <a:latin typeface="Cambria Math" panose="02040503050406030204" pitchFamily="18" charset="0"/>
+                          </a:rPr>
+                        </m:ctrlPr>
+                      </m:fPr>
+                      <m:num>
+                        <m:sSubSup>
+                          <m:sSubSupPr>
+                            <m:ctrlPr>
+                              <a:rPr lang="en-US" i="1">
+                                <a:latin typeface="Cambria Math" panose="02040503050406030204" pitchFamily="18" charset="0"/>
+                              </a:rPr>
+                            </m:ctrlPr>
+                          </m:sSubSupPr>
+                          <m:e>
+                            <m:r>
+                              <a:rPr lang="en-US" i="1">
+                                <a:latin typeface="Cambria Math" panose="02040503050406030204" pitchFamily="18" charset="0"/>
+                              </a:rPr>
+                              <m:t>𝑑</m:t>
+                            </m:r>
+                          </m:e>
+                          <m:sub>
+                            <m:r>
+                              <a:rPr lang="en-US" i="1">
+                                <a:latin typeface="Cambria Math" panose="02040503050406030204" pitchFamily="18" charset="0"/>
+                              </a:rPr>
+                              <m:t>𝑗</m:t>
+                            </m:r>
+                          </m:sub>
+                          <m:sup>
+                            <m:r>
+                              <a:rPr lang="en-US">
+                                <a:latin typeface="Cambria Math" panose="02040503050406030204" pitchFamily="18" charset="0"/>
+                              </a:rPr>
+                              <m:t>2</m:t>
+                            </m:r>
+                          </m:sup>
+                        </m:sSubSup>
+                      </m:num>
+                      <m:den>
+                        <m:sSubSup>
+                          <m:sSubSupPr>
+                            <m:ctrlPr>
+                              <a:rPr lang="en-US" i="1">
+                                <a:latin typeface="Cambria Math" panose="02040503050406030204" pitchFamily="18" charset="0"/>
+                              </a:rPr>
+                            </m:ctrlPr>
+                          </m:sSubSupPr>
+                          <m:e>
+                            <m:r>
+                              <a:rPr lang="en-US" i="1">
+                                <a:latin typeface="Cambria Math" panose="02040503050406030204" pitchFamily="18" charset="0"/>
+                              </a:rPr>
+                              <m:t>𝑑</m:t>
+                            </m:r>
+                          </m:e>
+                          <m:sub>
+                            <m:r>
+                              <a:rPr lang="en-US" i="1">
+                                <a:latin typeface="Cambria Math" panose="02040503050406030204" pitchFamily="18" charset="0"/>
+                              </a:rPr>
+                              <m:t>𝑗</m:t>
+                            </m:r>
+                          </m:sub>
+                          <m:sup>
+                            <m:r>
+                              <a:rPr lang="en-US">
+                                <a:latin typeface="Cambria Math" panose="02040503050406030204" pitchFamily="18" charset="0"/>
+                              </a:rPr>
+                              <m:t>2</m:t>
+                            </m:r>
+                          </m:sup>
+                        </m:sSubSup>
+                        <m:r>
+                          <a:rPr lang="en-US">
+                            <a:latin typeface="Cambria Math" panose="02040503050406030204" pitchFamily="18" charset="0"/>
+                          </a:rPr>
+                          <m:t>+</m:t>
+                        </m:r>
+                        <m:r>
+                          <a:rPr lang="en-US" i="1">
+                            <a:latin typeface="Cambria Math" panose="02040503050406030204" pitchFamily="18" charset="0"/>
+                          </a:rPr>
+                          <m:t>𝜆</m:t>
+                        </m:r>
+                      </m:den>
+                    </m:f>
+                    <m:r>
+                      <a:rPr lang="en-US" i="1" smtClean="0">
+                        <a:latin typeface="Cambria Math" panose="02040503050406030204" pitchFamily="18" charset="0"/>
+                        <a:ea typeface="Cambria Math" panose="02040503050406030204" pitchFamily="18" charset="0"/>
+                      </a:rPr>
+                      <m:t>≤</m:t>
+                    </m:r>
+                    <m:r>
+                      <a:rPr lang="en-US" b="0" i="1" smtClean="0">
+                        <a:latin typeface="Cambria Math" panose="02040503050406030204" pitchFamily="18" charset="0"/>
+                        <a:ea typeface="Cambria Math" panose="02040503050406030204" pitchFamily="18" charset="0"/>
+                      </a:rPr>
+                      <m:t>1</m:t>
+                    </m:r>
+                  </m:oMath>
+                </a14:m>
+                <a:r>
+                  <a:rPr lang="en-US" smtClean="0">
+                    <a:latin typeface="Times New Roman" panose="02020603050405020304" pitchFamily="18" charset="0"/>
+                    <a:cs typeface="Times New Roman" panose="02020603050405020304" pitchFamily="18" charset="0"/>
+                  </a:rPr>
+                  <a:t>  </a:t>
+                </a:r>
+                <a:endParaRPr lang="en-US">
+                  <a:latin typeface="Times New Roman" panose="02020603050405020304" pitchFamily="18" charset="0"/>
+                  <a:cs typeface="Times New Roman" panose="02020603050405020304" pitchFamily="18" charset="0"/>
+                </a:endParaRPr>
+              </a:p>
+            </p:txBody>
+          </p:sp>
+        </mc:Choice>
+        <mc:Fallback>
+          <p:sp>
+            <p:nvSpPr>
+              <p:cNvPr id="6" name="Content Placeholder 2">
+                <a:extLst>
+                  <a:ext uri="{FF2B5EF4-FFF2-40B4-BE49-F238E27FC236}">
+                    <a16:creationId xmlns:a16="http://schemas.microsoft.com/office/drawing/2014/main" id="{AE91FBA0-EF25-45A7-B67E-901348E98F04}"/>
+                  </a:ext>
+                </a:extLst>
+              </p:cNvPr>
+              <p:cNvSpPr txBox="1">
+                <a:spLocks noRot="1" noChangeAspect="1" noMove="1" noResize="1" noEditPoints="1" noAdjustHandles="1" noChangeArrowheads="1" noChangeShapeType="1" noTextEdit="1"/>
+              </p:cNvSpPr>
+              <p:nvPr/>
+            </p:nvSpPr>
+            <p:spPr>
+              <a:xfrm>
+                <a:off x="3707525" y="5316073"/>
+                <a:ext cx="3685667" cy="894948"/>
+              </a:xfrm>
+              <a:prstGeom prst="rect">
+                <a:avLst/>
+              </a:prstGeom>
+              <a:blipFill>
+                <a:blip r:embed="rId4"/>
+                <a:stretch>
+                  <a:fillRect l="-3306"/>
+                </a:stretch>
+              </a:blipFill>
+            </p:spPr>
+            <p:txBody>
+              <a:bodyPr/>
+              <a:lstStyle/>
+              <a:p>
+                <a:r>
+                  <a:rPr lang="en-US">
+                    <a:noFill/>
+                  </a:rPr>
+                  <a:t> </a:t>
+                </a:r>
+              </a:p>
+            </p:txBody>
+          </p:sp>
+        </mc:Fallback>
+      </mc:AlternateContent>
     </p:spTree>
     <p:extLst>
       <p:ext uri="{BB962C8B-B14F-4D97-AF65-F5344CB8AC3E}">
@@ -12234,126 +14204,7 @@
 </p:sld>
 </file>
 
-<file path=ppt/slides/slide2.xml><?xml version="1.0" encoding="utf-8"?>
-<p:sld xmlns:a="http://schemas.openxmlformats.org/drawingml/2006/main" xmlns:r="http://schemas.openxmlformats.org/officeDocument/2006/relationships" xmlns:p="http://schemas.openxmlformats.org/presentationml/2006/main">
-  <p:cSld>
-    <p:spTree>
-      <p:nvGrpSpPr>
-        <p:cNvPr id="1" name=""/>
-        <p:cNvGrpSpPr/>
-        <p:nvPr/>
-      </p:nvGrpSpPr>
-      <p:grpSpPr>
-        <a:xfrm>
-          <a:off x="0" y="0"/>
-          <a:ext cx="0" cy="0"/>
-          <a:chOff x="0" y="0"/>
-          <a:chExt cx="0" cy="0"/>
-        </a:xfrm>
-      </p:grpSpPr>
-      <p:sp>
-        <p:nvSpPr>
-          <p:cNvPr id="2" name="Title 1">
-            <a:extLst>
-              <a:ext uri="{FF2B5EF4-FFF2-40B4-BE49-F238E27FC236}">
-                <a16:creationId xmlns:a16="http://schemas.microsoft.com/office/drawing/2014/main" id="{D90D6DC3-B069-4E46-90AE-BC02FC4B5F00}"/>
-              </a:ext>
-            </a:extLst>
-          </p:cNvPr>
-          <p:cNvSpPr>
-            <a:spLocks noGrp="1"/>
-          </p:cNvSpPr>
-          <p:nvPr>
-            <p:ph type="title"/>
-          </p:nvPr>
-        </p:nvSpPr>
-        <p:spPr/>
-        <p:txBody>
-          <a:bodyPr/>
-          <a:lstStyle/>
-          <a:p>
-            <a:r>
-              <a:rPr lang="en-US" err="1"/>
-              <a:t>Tài</a:t>
-            </a:r>
-            <a:r>
-              <a:rPr lang="en-US"/>
-              <a:t> </a:t>
-            </a:r>
-            <a:r>
-              <a:rPr lang="en-US" err="1"/>
-              <a:t>liệu</a:t>
-            </a:r>
-            <a:r>
-              <a:rPr lang="en-US"/>
-              <a:t> </a:t>
-            </a:r>
-            <a:r>
-              <a:rPr lang="en-US" err="1"/>
-              <a:t>tham</a:t>
-            </a:r>
-            <a:r>
-              <a:rPr lang="en-US"/>
-              <a:t> </a:t>
-            </a:r>
-            <a:r>
-              <a:rPr lang="en-US" err="1"/>
-              <a:t>khảo</a:t>
-            </a:r>
-            <a:endParaRPr lang="en-US"/>
-          </a:p>
-        </p:txBody>
-      </p:sp>
-      <p:sp>
-        <p:nvSpPr>
-          <p:cNvPr id="3" name="Content Placeholder 2">
-            <a:extLst>
-              <a:ext uri="{FF2B5EF4-FFF2-40B4-BE49-F238E27FC236}">
-                <a16:creationId xmlns:a16="http://schemas.microsoft.com/office/drawing/2014/main" id="{4F1B333D-9B08-4BC4-BA2F-2FDEEB248EAE}"/>
-              </a:ext>
-            </a:extLst>
-          </p:cNvPr>
-          <p:cNvSpPr>
-            <a:spLocks noGrp="1"/>
-          </p:cNvSpPr>
-          <p:nvPr>
-            <p:ph idx="1"/>
-          </p:nvPr>
-        </p:nvSpPr>
-        <p:spPr/>
-        <p:txBody>
-          <a:bodyPr/>
-          <a:lstStyle/>
-          <a:p>
-            <a:r>
-              <a:rPr lang="en-US"/>
-              <a:t>Trevor Hastie, Robert </a:t>
-            </a:r>
-            <a:r>
-              <a:rPr lang="en-US" err="1"/>
-              <a:t>Tibshirani</a:t>
-            </a:r>
-            <a:r>
-              <a:rPr lang="en-US"/>
-              <a:t>, Jerome Friedman, 2008, The Elements of Statistical Learning: Data Mining, Inference, and Prediction (Second Edition).</a:t>
-            </a:r>
-          </a:p>
-        </p:txBody>
-      </p:sp>
-    </p:spTree>
-    <p:extLst>
-      <p:ext uri="{BB962C8B-B14F-4D97-AF65-F5344CB8AC3E}">
-        <p14:creationId xmlns:p14="http://schemas.microsoft.com/office/powerpoint/2010/main" val="3380814803"/>
-      </p:ext>
-    </p:extLst>
-  </p:cSld>
-  <p:clrMapOvr>
-    <a:masterClrMapping/>
-  </p:clrMapOvr>
-</p:sld>
-</file>
-
-<file path=ppt/slides/slide20.xml><?xml version="1.0" encoding="utf-8"?>
+<file path=ppt/slides/slide22.xml><?xml version="1.0" encoding="utf-8"?>
 <p:sld xmlns:a="http://schemas.openxmlformats.org/drawingml/2006/main" xmlns:r="http://schemas.openxmlformats.org/officeDocument/2006/relationships" xmlns:p="http://schemas.openxmlformats.org/presentationml/2006/main">
   <p:cSld>
     <p:spTree>
@@ -13999,7 +15850,7 @@
 </p:sld>
 </file>
 
-<file path=ppt/slides/slide21.xml><?xml version="1.0" encoding="utf-8"?>
+<file path=ppt/slides/slide23.xml><?xml version="1.0" encoding="utf-8"?>
 <p:sld xmlns:a="http://schemas.openxmlformats.org/drawingml/2006/main" xmlns:r="http://schemas.openxmlformats.org/officeDocument/2006/relationships" xmlns:p="http://schemas.openxmlformats.org/presentationml/2006/main">
   <p:cSld>
     <p:spTree>
@@ -14641,7 +16492,7 @@
 </p:sld>
 </file>
 
-<file path=ppt/slides/slide22.xml><?xml version="1.0" encoding="utf-8"?>
+<file path=ppt/slides/slide24.xml><?xml version="1.0" encoding="utf-8"?>
 <p:sld xmlns:a="http://schemas.openxmlformats.org/drawingml/2006/main" xmlns:r="http://schemas.openxmlformats.org/officeDocument/2006/relationships" xmlns:p="http://schemas.openxmlformats.org/presentationml/2006/main">
   <p:cSld>
     <p:spTree>
@@ -15336,7 +17187,7 @@
 </p:sld>
 </file>
 
-<file path=ppt/slides/slide23.xml><?xml version="1.0" encoding="utf-8"?>
+<file path=ppt/slides/slide25.xml><?xml version="1.0" encoding="utf-8"?>
 <p:sld xmlns:a="http://schemas.openxmlformats.org/drawingml/2006/main" xmlns:r="http://schemas.openxmlformats.org/officeDocument/2006/relationships" xmlns:p="http://schemas.openxmlformats.org/presentationml/2006/main">
   <p:cSld>
     <p:spTree>
@@ -15454,7 +17305,7 @@
 </p:sld>
 </file>
 
-<file path=ppt/slides/slide24.xml><?xml version="1.0" encoding="utf-8"?>
+<file path=ppt/slides/slide26.xml><?xml version="1.0" encoding="utf-8"?>
 <p:sld xmlns:a="http://schemas.openxmlformats.org/drawingml/2006/main" xmlns:r="http://schemas.openxmlformats.org/officeDocument/2006/relationships" xmlns:p="http://schemas.openxmlformats.org/presentationml/2006/main">
   <p:cSld>
     <p:spTree>
@@ -15548,7 +17399,7 @@
 </p:sld>
 </file>
 
-<file path=ppt/slides/slide25.xml><?xml version="1.0" encoding="utf-8"?>
+<file path=ppt/slides/slide27.xml><?xml version="1.0" encoding="utf-8"?>
 <p:sld xmlns:a="http://schemas.openxmlformats.org/drawingml/2006/main" xmlns:r="http://schemas.openxmlformats.org/officeDocument/2006/relationships" xmlns:p="http://schemas.openxmlformats.org/presentationml/2006/main">
   <p:cSld>
     <p:spTree>
@@ -15613,7 +17464,7 @@
 </p:sld>
 </file>
 
-<file path=ppt/slides/slide26.xml><?xml version="1.0" encoding="utf-8"?>
+<file path=ppt/slides/slide28.xml><?xml version="1.0" encoding="utf-8"?>
 <p:sld xmlns:a="http://schemas.openxmlformats.org/drawingml/2006/main" xmlns:r="http://schemas.openxmlformats.org/officeDocument/2006/relationships" xmlns:p="http://schemas.openxmlformats.org/presentationml/2006/main">
   <p:cSld>
     <p:spTree>
@@ -16531,178 +18382,6 @@
 </p:sld>
 </file>
 
-<file path=ppt/slides/slide27.xml><?xml version="1.0" encoding="utf-8"?>
-<p:sld xmlns:a="http://schemas.openxmlformats.org/drawingml/2006/main" xmlns:r="http://schemas.openxmlformats.org/officeDocument/2006/relationships" xmlns:p="http://schemas.openxmlformats.org/presentationml/2006/main">
-  <p:cSld>
-    <p:spTree>
-      <p:nvGrpSpPr>
-        <p:cNvPr id="1" name=""/>
-        <p:cNvGrpSpPr/>
-        <p:nvPr/>
-      </p:nvGrpSpPr>
-      <p:grpSpPr>
-        <a:xfrm>
-          <a:off x="0" y="0"/>
-          <a:ext cx="0" cy="0"/>
-          <a:chOff x="0" y="0"/>
-          <a:chExt cx="0" cy="0"/>
-        </a:xfrm>
-      </p:grpSpPr>
-      <p:sp>
-        <p:nvSpPr>
-          <p:cNvPr id="2" name="Title 1">
-            <a:extLst>
-              <a:ext uri="{FF2B5EF4-FFF2-40B4-BE49-F238E27FC236}">
-                <a16:creationId xmlns:a16="http://schemas.microsoft.com/office/drawing/2014/main" id="{3B180711-C38B-4351-88CE-51F4F9D9ABEC}"/>
-              </a:ext>
-            </a:extLst>
-          </p:cNvPr>
-          <p:cNvSpPr>
-            <a:spLocks noGrp="1"/>
-          </p:cNvSpPr>
-          <p:nvPr>
-            <p:ph type="title"/>
-          </p:nvPr>
-        </p:nvSpPr>
-        <p:spPr/>
-        <p:txBody>
-          <a:bodyPr/>
-          <a:lstStyle/>
-          <a:p>
-            <a:r>
-              <a:rPr lang="en-US"/>
-              <a:t>4</a:t>
-            </a:r>
-            <a:r>
-              <a:rPr lang="en-US" smtClean="0"/>
-              <a:t>.1 Dữ liệu</a:t>
-            </a:r>
-            <a:endParaRPr lang="en-US"/>
-          </a:p>
-        </p:txBody>
-      </p:sp>
-      <p:pic>
-        <p:nvPicPr>
-          <p:cNvPr id="3" name="Picture 2"/>
-          <p:cNvPicPr>
-            <a:picLocks noChangeAspect="1"/>
-          </p:cNvPicPr>
-          <p:nvPr/>
-        </p:nvPicPr>
-        <p:blipFill>
-          <a:blip r:embed="rId2"/>
-          <a:stretch>
-            <a:fillRect/>
-          </a:stretch>
-        </p:blipFill>
-        <p:spPr>
-          <a:xfrm>
-            <a:off x="2200275" y="1992706"/>
-            <a:ext cx="7791450" cy="3162300"/>
-          </a:xfrm>
-          <a:prstGeom prst="rect">
-            <a:avLst/>
-          </a:prstGeom>
-        </p:spPr>
-      </p:pic>
-    </p:spTree>
-    <p:extLst>
-      <p:ext uri="{BB962C8B-B14F-4D97-AF65-F5344CB8AC3E}">
-        <p14:creationId xmlns:p14="http://schemas.microsoft.com/office/powerpoint/2010/main" val="2808086958"/>
-      </p:ext>
-    </p:extLst>
-  </p:cSld>
-  <p:clrMapOvr>
-    <a:masterClrMapping/>
-  </p:clrMapOvr>
-</p:sld>
-</file>
-
-<file path=ppt/slides/slide28.xml><?xml version="1.0" encoding="utf-8"?>
-<p:sld xmlns:a="http://schemas.openxmlformats.org/drawingml/2006/main" xmlns:r="http://schemas.openxmlformats.org/officeDocument/2006/relationships" xmlns:p="http://schemas.openxmlformats.org/presentationml/2006/main">
-  <p:cSld>
-    <p:spTree>
-      <p:nvGrpSpPr>
-        <p:cNvPr id="1" name=""/>
-        <p:cNvGrpSpPr/>
-        <p:nvPr/>
-      </p:nvGrpSpPr>
-      <p:grpSpPr>
-        <a:xfrm>
-          <a:off x="0" y="0"/>
-          <a:ext cx="0" cy="0"/>
-          <a:chOff x="0" y="0"/>
-          <a:chExt cx="0" cy="0"/>
-        </a:xfrm>
-      </p:grpSpPr>
-      <p:sp>
-        <p:nvSpPr>
-          <p:cNvPr id="2" name="Title 1">
-            <a:extLst>
-              <a:ext uri="{FF2B5EF4-FFF2-40B4-BE49-F238E27FC236}">
-                <a16:creationId xmlns:a16="http://schemas.microsoft.com/office/drawing/2014/main" id="{3B180711-C38B-4351-88CE-51F4F9D9ABEC}"/>
-              </a:ext>
-            </a:extLst>
-          </p:cNvPr>
-          <p:cNvSpPr>
-            <a:spLocks noGrp="1"/>
-          </p:cNvSpPr>
-          <p:nvPr>
-            <p:ph type="title"/>
-          </p:nvPr>
-        </p:nvSpPr>
-        <p:spPr/>
-        <p:txBody>
-          <a:bodyPr/>
-          <a:lstStyle/>
-          <a:p>
-            <a:r>
-              <a:rPr lang="en-US"/>
-              <a:t>4</a:t>
-            </a:r>
-            <a:r>
-              <a:rPr lang="en-US" smtClean="0"/>
-              <a:t>.1 Dữ liệu</a:t>
-            </a:r>
-            <a:endParaRPr lang="en-US"/>
-          </a:p>
-        </p:txBody>
-      </p:sp>
-      <p:pic>
-        <p:nvPicPr>
-          <p:cNvPr id="4" name="Picture 3"/>
-          <p:cNvPicPr/>
-          <p:nvPr/>
-        </p:nvPicPr>
-        <p:blipFill>
-          <a:blip r:embed="rId2"/>
-          <a:stretch>
-            <a:fillRect/>
-          </a:stretch>
-        </p:blipFill>
-        <p:spPr>
-          <a:xfrm>
-            <a:off x="3481623" y="1801640"/>
-            <a:ext cx="5228753" cy="4044257"/>
-          </a:xfrm>
-          <a:prstGeom prst="rect">
-            <a:avLst/>
-          </a:prstGeom>
-        </p:spPr>
-      </p:pic>
-    </p:spTree>
-    <p:extLst>
-      <p:ext uri="{BB962C8B-B14F-4D97-AF65-F5344CB8AC3E}">
-        <p14:creationId xmlns:p14="http://schemas.microsoft.com/office/powerpoint/2010/main" val="4260807567"/>
-      </p:ext>
-    </p:extLst>
-  </p:cSld>
-  <p:clrMapOvr>
-    <a:masterClrMapping/>
-  </p:clrMapOvr>
-</p:sld>
-</file>
-
 <file path=ppt/slides/slide29.xml><?xml version="1.0" encoding="utf-8"?>
 <p:sld xmlns:a="http://schemas.openxmlformats.org/drawingml/2006/main" xmlns:r="http://schemas.openxmlformats.org/officeDocument/2006/relationships" xmlns:p="http://schemas.openxmlformats.org/presentationml/2006/main">
   <p:cSld>
@@ -16742,27 +18421,45 @@
           <a:lstStyle/>
           <a:p>
             <a:r>
+              <a:rPr lang="en-US"/>
+              <a:t>4</a:t>
+            </a:r>
+            <a:r>
               <a:rPr lang="en-US" smtClean="0"/>
-              <a:t>4.2. </a:t>
-            </a:r>
-            <a:r>
-              <a:rPr lang="en-US" smtClean="0">
-                <a:sym typeface="Wingdings" panose="05000000000000000000" pitchFamily="2" charset="2"/>
-              </a:rPr>
-              <a:t></a:t>
-            </a:r>
-            <a:r>
-              <a:rPr lang="en-US" smtClean="0"/>
-              <a:t> 4.8. Mô phỏng các phương pháp</a:t>
+              <a:t>.1 Dữ liệu</a:t>
             </a:r>
             <a:endParaRPr lang="en-US"/>
           </a:p>
         </p:txBody>
       </p:sp>
+      <p:pic>
+        <p:nvPicPr>
+          <p:cNvPr id="3" name="Picture 2"/>
+          <p:cNvPicPr>
+            <a:picLocks noChangeAspect="1"/>
+          </p:cNvPicPr>
+          <p:nvPr/>
+        </p:nvPicPr>
+        <p:blipFill>
+          <a:blip r:embed="rId2"/>
+          <a:stretch>
+            <a:fillRect/>
+          </a:stretch>
+        </p:blipFill>
+        <p:spPr>
+          <a:xfrm>
+            <a:off x="2200275" y="1992706"/>
+            <a:ext cx="7791450" cy="3162300"/>
+          </a:xfrm>
+          <a:prstGeom prst="rect">
+            <a:avLst/>
+          </a:prstGeom>
+        </p:spPr>
+      </p:pic>
     </p:spTree>
     <p:extLst>
       <p:ext uri="{BB962C8B-B14F-4D97-AF65-F5344CB8AC3E}">
-        <p14:creationId xmlns:p14="http://schemas.microsoft.com/office/powerpoint/2010/main" val="108325595"/>
+        <p14:creationId xmlns:p14="http://schemas.microsoft.com/office/powerpoint/2010/main" val="2808086958"/>
       </p:ext>
     </p:extLst>
   </p:cSld>
@@ -16875,6 +18572,160 @@
     <p:extLst>
       <p:ext uri="{BB962C8B-B14F-4D97-AF65-F5344CB8AC3E}">
         <p14:creationId xmlns:p14="http://schemas.microsoft.com/office/powerpoint/2010/main" val="2219765664"/>
+      </p:ext>
+    </p:extLst>
+  </p:cSld>
+  <p:clrMapOvr>
+    <a:masterClrMapping/>
+  </p:clrMapOvr>
+</p:sld>
+</file>
+
+<file path=ppt/slides/slide30.xml><?xml version="1.0" encoding="utf-8"?>
+<p:sld xmlns:a="http://schemas.openxmlformats.org/drawingml/2006/main" xmlns:r="http://schemas.openxmlformats.org/officeDocument/2006/relationships" xmlns:p="http://schemas.openxmlformats.org/presentationml/2006/main">
+  <p:cSld>
+    <p:spTree>
+      <p:nvGrpSpPr>
+        <p:cNvPr id="1" name=""/>
+        <p:cNvGrpSpPr/>
+        <p:nvPr/>
+      </p:nvGrpSpPr>
+      <p:grpSpPr>
+        <a:xfrm>
+          <a:off x="0" y="0"/>
+          <a:ext cx="0" cy="0"/>
+          <a:chOff x="0" y="0"/>
+          <a:chExt cx="0" cy="0"/>
+        </a:xfrm>
+      </p:grpSpPr>
+      <p:sp>
+        <p:nvSpPr>
+          <p:cNvPr id="2" name="Title 1">
+            <a:extLst>
+              <a:ext uri="{FF2B5EF4-FFF2-40B4-BE49-F238E27FC236}">
+                <a16:creationId xmlns:a16="http://schemas.microsoft.com/office/drawing/2014/main" id="{3B180711-C38B-4351-88CE-51F4F9D9ABEC}"/>
+              </a:ext>
+            </a:extLst>
+          </p:cNvPr>
+          <p:cNvSpPr>
+            <a:spLocks noGrp="1"/>
+          </p:cNvSpPr>
+          <p:nvPr>
+            <p:ph type="title"/>
+          </p:nvPr>
+        </p:nvSpPr>
+        <p:spPr/>
+        <p:txBody>
+          <a:bodyPr/>
+          <a:lstStyle/>
+          <a:p>
+            <a:r>
+              <a:rPr lang="en-US"/>
+              <a:t>4</a:t>
+            </a:r>
+            <a:r>
+              <a:rPr lang="en-US" smtClean="0"/>
+              <a:t>.1 Dữ liệu</a:t>
+            </a:r>
+            <a:endParaRPr lang="en-US"/>
+          </a:p>
+        </p:txBody>
+      </p:sp>
+      <p:pic>
+        <p:nvPicPr>
+          <p:cNvPr id="4" name="Picture 3"/>
+          <p:cNvPicPr/>
+          <p:nvPr/>
+        </p:nvPicPr>
+        <p:blipFill>
+          <a:blip r:embed="rId2"/>
+          <a:stretch>
+            <a:fillRect/>
+          </a:stretch>
+        </p:blipFill>
+        <p:spPr>
+          <a:xfrm>
+            <a:off x="3481623" y="1801640"/>
+            <a:ext cx="5228753" cy="4044257"/>
+          </a:xfrm>
+          <a:prstGeom prst="rect">
+            <a:avLst/>
+          </a:prstGeom>
+        </p:spPr>
+      </p:pic>
+    </p:spTree>
+    <p:extLst>
+      <p:ext uri="{BB962C8B-B14F-4D97-AF65-F5344CB8AC3E}">
+        <p14:creationId xmlns:p14="http://schemas.microsoft.com/office/powerpoint/2010/main" val="4260807567"/>
+      </p:ext>
+    </p:extLst>
+  </p:cSld>
+  <p:clrMapOvr>
+    <a:masterClrMapping/>
+  </p:clrMapOvr>
+</p:sld>
+</file>
+
+<file path=ppt/slides/slide31.xml><?xml version="1.0" encoding="utf-8"?>
+<p:sld xmlns:a="http://schemas.openxmlformats.org/drawingml/2006/main" xmlns:r="http://schemas.openxmlformats.org/officeDocument/2006/relationships" xmlns:p="http://schemas.openxmlformats.org/presentationml/2006/main">
+  <p:cSld>
+    <p:spTree>
+      <p:nvGrpSpPr>
+        <p:cNvPr id="1" name=""/>
+        <p:cNvGrpSpPr/>
+        <p:nvPr/>
+      </p:nvGrpSpPr>
+      <p:grpSpPr>
+        <a:xfrm>
+          <a:off x="0" y="0"/>
+          <a:ext cx="0" cy="0"/>
+          <a:chOff x="0" y="0"/>
+          <a:chExt cx="0" cy="0"/>
+        </a:xfrm>
+      </p:grpSpPr>
+      <p:sp>
+        <p:nvSpPr>
+          <p:cNvPr id="2" name="Title 1">
+            <a:extLst>
+              <a:ext uri="{FF2B5EF4-FFF2-40B4-BE49-F238E27FC236}">
+                <a16:creationId xmlns:a16="http://schemas.microsoft.com/office/drawing/2014/main" id="{3B180711-C38B-4351-88CE-51F4F9D9ABEC}"/>
+              </a:ext>
+            </a:extLst>
+          </p:cNvPr>
+          <p:cNvSpPr>
+            <a:spLocks noGrp="1"/>
+          </p:cNvSpPr>
+          <p:nvPr>
+            <p:ph type="title"/>
+          </p:nvPr>
+        </p:nvSpPr>
+        <p:spPr/>
+        <p:txBody>
+          <a:bodyPr/>
+          <a:lstStyle/>
+          <a:p>
+            <a:r>
+              <a:rPr lang="en-US" smtClean="0"/>
+              <a:t>4.2. </a:t>
+            </a:r>
+            <a:r>
+              <a:rPr lang="en-US" smtClean="0">
+                <a:sym typeface="Wingdings" panose="05000000000000000000" pitchFamily="2" charset="2"/>
+              </a:rPr>
+              <a:t></a:t>
+            </a:r>
+            <a:r>
+              <a:rPr lang="en-US" smtClean="0"/>
+              <a:t> 4.8. Mô phỏng các phương pháp</a:t>
+            </a:r>
+            <a:endParaRPr lang="en-US"/>
+          </a:p>
+        </p:txBody>
+      </p:sp>
+    </p:spTree>
+    <p:extLst>
+      <p:ext uri="{BB962C8B-B14F-4D97-AF65-F5344CB8AC3E}">
+        <p14:creationId xmlns:p14="http://schemas.microsoft.com/office/powerpoint/2010/main" val="108325595"/>
       </p:ext>
     </p:extLst>
   </p:cSld>
